--- a/PresentationMusic.pptx
+++ b/PresentationMusic.pptx
@@ -1,19 +1,19 @@
 
 <file path=ppt/presentation.xml><?xml version="1.0" encoding="utf-8"?>
-<p:presentation xmlns:a="http://schemas.openxmlformats.org/drawingml/2006/main" xmlns:r="http://schemas.openxmlformats.org/officeDocument/2006/relationships" xmlns:p="http://schemas.openxmlformats.org/presentationml/2006/main" xmlns:m="http://schemas.openxmlformats.org/officeDocument/2006/math" xmlns:a14="http://schemas.microsoft.com/office/drawing/2010/main">
+<p:presentation xmlns:a="http://schemas.openxmlformats.org/drawingml/2006/main" xmlns:r="http://schemas.openxmlformats.org/officeDocument/2006/relationships" xmlns:p="http://schemas.openxmlformats.org/presentationml/2006/main">
   <p:sldMasterIdLst>
-    <p:sldMasterId id="2147483648" r:id="rId5"/>
+    <p:sldMasterId id="2147483648" r:id="rId1"/>
   </p:sldMasterIdLst>
   <p:notesMasterIdLst>
-    <p:notesMasterId r:id="rId7"/>
+    <p:notesMasterId r:id="rId8"/>
   </p:notesMasterIdLst>
   <p:sldIdLst>
-    <p:sldId id="256" r:id="rId8"/>
-    <p:sldId id="257" r:id="rId9"/>
-    <p:sldId id="258" r:id="rId10"/>
-    <p:sldId id="259" r:id="rId11"/>
-    <p:sldId id="260" r:id="rId12"/>
-    <p:sldId id="261" r:id="rId13"/>
+    <p:sldId id="256" r:id="rId2"/>
+    <p:sldId id="257" r:id="rId3"/>
+    <p:sldId id="258" r:id="rId4"/>
+    <p:sldId id="259" r:id="rId5"/>
+    <p:sldId id="260" r:id="rId6"/>
+    <p:sldId id="261" r:id="rId7"/>
   </p:sldIdLst>
   <p:sldSz cx="24384000" cy="13716000"/>
   <p:notesSz cx="6858000" cy="9144000"/>
@@ -33,7 +33,7 @@
       <a:buFontTx/>
       <a:buNone/>
       <a:tabLst/>
-      <a:defRPr b="0" baseline="0" cap="none" i="0" spc="0" strike="noStrike" sz="1800" u="none" kumimoji="0" normalizeH="0">
+      <a:defRPr kumimoji="0" sz="1800" b="0" i="0" u="none" strike="noStrike" cap="none" spc="0" normalizeH="0" baseline="0">
         <a:ln>
           <a:noFill/>
         </a:ln>
@@ -59,7 +59,7 @@
       <a:buFontTx/>
       <a:buNone/>
       <a:tabLst/>
-      <a:defRPr b="0" baseline="0" cap="none" i="0" spc="0" strike="noStrike" sz="3200" u="none" kumimoji="0" normalizeH="0">
+      <a:defRPr kumimoji="0" sz="3200" b="0" i="0" u="none" strike="noStrike" cap="none" spc="0" normalizeH="0" baseline="0">
         <a:ln>
           <a:noFill/>
         </a:ln>
@@ -89,7 +89,7 @@
       <a:buFontTx/>
       <a:buNone/>
       <a:tabLst/>
-      <a:defRPr b="0" baseline="0" cap="none" i="0" spc="0" strike="noStrike" sz="3200" u="none" kumimoji="0" normalizeH="0">
+      <a:defRPr kumimoji="0" sz="3200" b="0" i="0" u="none" strike="noStrike" cap="none" spc="0" normalizeH="0" baseline="0">
         <a:ln>
           <a:noFill/>
         </a:ln>
@@ -119,7 +119,7 @@
       <a:buFontTx/>
       <a:buNone/>
       <a:tabLst/>
-      <a:defRPr b="0" baseline="0" cap="none" i="0" spc="0" strike="noStrike" sz="3200" u="none" kumimoji="0" normalizeH="0">
+      <a:defRPr kumimoji="0" sz="3200" b="0" i="0" u="none" strike="noStrike" cap="none" spc="0" normalizeH="0" baseline="0">
         <a:ln>
           <a:noFill/>
         </a:ln>
@@ -149,7 +149,7 @@
       <a:buFontTx/>
       <a:buNone/>
       <a:tabLst/>
-      <a:defRPr b="0" baseline="0" cap="none" i="0" spc="0" strike="noStrike" sz="3200" u="none" kumimoji="0" normalizeH="0">
+      <a:defRPr kumimoji="0" sz="3200" b="0" i="0" u="none" strike="noStrike" cap="none" spc="0" normalizeH="0" baseline="0">
         <a:ln>
           <a:noFill/>
         </a:ln>
@@ -179,7 +179,7 @@
       <a:buFontTx/>
       <a:buNone/>
       <a:tabLst/>
-      <a:defRPr b="0" baseline="0" cap="none" i="0" spc="0" strike="noStrike" sz="3200" u="none" kumimoji="0" normalizeH="0">
+      <a:defRPr kumimoji="0" sz="3200" b="0" i="0" u="none" strike="noStrike" cap="none" spc="0" normalizeH="0" baseline="0">
         <a:ln>
           <a:noFill/>
         </a:ln>
@@ -209,7 +209,7 @@
       <a:buFontTx/>
       <a:buNone/>
       <a:tabLst/>
-      <a:defRPr b="0" baseline="0" cap="none" i="0" spc="0" strike="noStrike" sz="3200" u="none" kumimoji="0" normalizeH="0">
+      <a:defRPr kumimoji="0" sz="3200" b="0" i="0" u="none" strike="noStrike" cap="none" spc="0" normalizeH="0" baseline="0">
         <a:ln>
           <a:noFill/>
         </a:ln>
@@ -239,7 +239,7 @@
       <a:buFontTx/>
       <a:buNone/>
       <a:tabLst/>
-      <a:defRPr b="0" baseline="0" cap="none" i="0" spc="0" strike="noStrike" sz="3200" u="none" kumimoji="0" normalizeH="0">
+      <a:defRPr kumimoji="0" sz="3200" b="0" i="0" u="none" strike="noStrike" cap="none" spc="0" normalizeH="0" baseline="0">
         <a:ln>
           <a:noFill/>
         </a:ln>
@@ -269,7 +269,7 @@
       <a:buFontTx/>
       <a:buNone/>
       <a:tabLst/>
-      <a:defRPr b="0" baseline="0" cap="none" i="0" spc="0" strike="noStrike" sz="3200" u="none" kumimoji="0" normalizeH="0">
+      <a:defRPr kumimoji="0" sz="3200" b="0" i="0" u="none" strike="noStrike" cap="none" spc="0" normalizeH="0" baseline="0">
         <a:ln>
           <a:noFill/>
         </a:ln>
@@ -299,7 +299,7 @@
       <a:buFontTx/>
       <a:buNone/>
       <a:tabLst/>
-      <a:defRPr b="0" baseline="0" cap="none" i="0" spc="0" strike="noStrike" sz="3200" u="none" kumimoji="0" normalizeH="0">
+      <a:defRPr kumimoji="0" sz="3200" b="0" i="0" u="none" strike="noStrike" cap="none" spc="0" normalizeH="0" baseline="0">
         <a:ln>
           <a:noFill/>
         </a:ln>
@@ -318,13 +318,14 @@
 </p:presentation>
 </file>
 
-<file path=ppt/commentAuthors.xml><?xml version="1.0" encoding="utf-8"?>
-<p:cmAuthorLst xmlns:a="http://schemas.openxmlformats.org/drawingml/2006/main" xmlns:r="http://schemas.openxmlformats.org/officeDocument/2006/relationships" xmlns:p="http://schemas.openxmlformats.org/presentationml/2006/main" xmlns:m="http://schemas.openxmlformats.org/officeDocument/2006/math" xmlns:a14="http://schemas.microsoft.com/office/drawing/2010/main"/>
-</file>
-
 <file path=ppt/notesMasters/notesMaster1.xml><?xml version="1.0" encoding="utf-8"?>
-<p:notesMaster xmlns:a="http://schemas.openxmlformats.org/drawingml/2006/main" xmlns:r="http://schemas.openxmlformats.org/officeDocument/2006/relationships" xmlns:p="http://schemas.openxmlformats.org/presentationml/2006/main" xmlns:m="http://schemas.openxmlformats.org/officeDocument/2006/math" xmlns:a14="http://schemas.microsoft.com/office/drawing/2010/main">
+<p:notesMaster xmlns:a="http://schemas.openxmlformats.org/drawingml/2006/main" xmlns:r="http://schemas.openxmlformats.org/officeDocument/2006/relationships" xmlns:p="http://schemas.openxmlformats.org/presentationml/2006/main">
   <p:cSld>
+    <p:bg>
+      <p:bgRef idx="1001">
+        <a:schemeClr val="bg1"/>
+      </p:bgRef>
+    </p:bg>
     <p:spTree>
       <p:nvGrpSpPr>
         <p:cNvPr id="1" name=""/>
@@ -342,7 +343,9 @@
       <p:sp>
         <p:nvSpPr>
           <p:cNvPr id="134" name="Shape 134"/>
-          <p:cNvSpPr/>
+          <p:cNvSpPr>
+            <a:spLocks noGrp="1" noRot="1" noChangeAspect="1"/>
+          </p:cNvSpPr>
           <p:nvPr>
             <p:ph type="sldImg"/>
           </p:nvPr>
@@ -360,14 +363,16 @@
           <a:bodyPr/>
           <a:lstStyle/>
           <a:p>
-            <a:pPr/>
+            <a:endParaRPr/>
           </a:p>
         </p:txBody>
       </p:sp>
       <p:sp>
         <p:nvSpPr>
           <p:cNvPr id="135" name="Shape 135"/>
-          <p:cNvSpPr/>
+          <p:cNvSpPr>
+            <a:spLocks noGrp="1"/>
+          </p:cNvSpPr>
           <p:nvPr>
             <p:ph type="body" sz="quarter" idx="1"/>
           </p:nvPr>
@@ -385,7 +390,7 @@
           <a:bodyPr/>
           <a:lstStyle/>
           <a:p>
-            <a:pPr/>
+            <a:endParaRPr/>
           </a:p>
         </p:txBody>
       </p:sp>
@@ -497,17 +502,18 @@
 </file>
 
 <file path=ppt/slideLayouts/slideLayout1.xml><?xml version="1.0" encoding="utf-8"?>
-<p:sldLayout xmlns:a="http://schemas.openxmlformats.org/drawingml/2006/main" xmlns:r="http://schemas.openxmlformats.org/officeDocument/2006/relationships" xmlns:p="http://schemas.openxmlformats.org/presentationml/2006/main" xmlns:m="http://schemas.openxmlformats.org/officeDocument/2006/math" xmlns:a14="http://schemas.microsoft.com/office/drawing/2010/main" type="title" showMasterSp="0" showMasterPhAnim="1">
+<p:sldLayout xmlns:a="http://schemas.openxmlformats.org/drawingml/2006/main" xmlns:r="http://schemas.openxmlformats.org/officeDocument/2006/relationships" xmlns:p="http://schemas.openxmlformats.org/presentationml/2006/main" showMasterSp="0" type="title">
   <p:cSld name="Title &amp; Subtitle">
     <p:bg>
       <p:bgPr>
         <a:blipFill rotWithShape="1">
           <a:blip r:embed="rId2"/>
-          <a:srcRect l="0" t="0" r="0" b="0"/>
+          <a:srcRect/>
           <a:stretch>
             <a:fillRect/>
           </a:stretch>
         </a:blipFill>
+        <a:effectLst/>
       </p:bgPr>
     </p:bg>
     <p:spTree>
@@ -562,6 +568,7 @@
                 <a:sym typeface="Helvetica"/>
               </a:defRPr>
             </a:pPr>
+            <a:endParaRPr/>
           </a:p>
         </p:txBody>
       </p:sp>
@@ -603,6 +610,7 @@
                 <a:sym typeface="Helvetica"/>
               </a:defRPr>
             </a:pPr>
+            <a:endParaRPr/>
           </a:p>
         </p:txBody>
       </p:sp>
@@ -644,13 +652,16 @@
                 <a:sym typeface="Helvetica"/>
               </a:defRPr>
             </a:pPr>
+            <a:endParaRPr/>
           </a:p>
         </p:txBody>
       </p:sp>
       <p:sp>
         <p:nvSpPr>
           <p:cNvPr id="16" name="Lorem Ipsum Dolor"/>
-          <p:cNvSpPr txBox="1"/>
+          <p:cNvSpPr txBox="1">
+            <a:spLocks noGrp="1"/>
+          </p:cNvSpPr>
           <p:nvPr>
             <p:ph type="body" sz="quarter" idx="21"/>
           </p:nvPr>
@@ -680,11 +691,10 @@
               <a:buSzTx/>
               <a:buFontTx/>
               <a:buNone/>
-              <a:defRPr i="1" sz="3200"/>
+              <a:defRPr sz="3200" i="1"/>
             </a:lvl1pPr>
           </a:lstStyle>
           <a:p>
-            <a:pPr/>
             <a:r>
               <a:t>Lorem Ipsum Dolor</a:t>
             </a:r>
@@ -694,7 +704,9 @@
       <p:sp>
         <p:nvSpPr>
           <p:cNvPr id="17" name="Title Text"/>
-          <p:cNvSpPr txBox="1"/>
+          <p:cNvSpPr txBox="1">
+            <a:spLocks noGrp="1"/>
+          </p:cNvSpPr>
           <p:nvPr>
             <p:ph type="title"/>
           </p:nvPr>
@@ -714,7 +726,6 @@
             <a:lvl1pPr algn="l"/>
           </a:lstStyle>
           <a:p>
-            <a:pPr/>
             <a:r>
               <a:t>Title Text</a:t>
             </a:r>
@@ -724,7 +735,9 @@
       <p:sp>
         <p:nvSpPr>
           <p:cNvPr id="18" name="Body Level One…"/>
-          <p:cNvSpPr txBox="1"/>
+          <p:cNvSpPr txBox="1">
+            <a:spLocks noGrp="1"/>
+          </p:cNvSpPr>
           <p:nvPr>
             <p:ph type="body" sz="quarter" idx="1"/>
           </p:nvPr>
@@ -793,7 +806,6 @@
             </a:lvl5pPr>
           </a:lstStyle>
           <a:p>
-            <a:pPr/>
             <a:r>
               <a:t>Body Level One</a:t>
             </a:r>
@@ -827,7 +839,9 @@
       <p:sp>
         <p:nvSpPr>
           <p:cNvPr id="19" name="Slide Number"/>
-          <p:cNvSpPr txBox="1"/>
+          <p:cNvSpPr txBox="1">
+            <a:spLocks noGrp="1"/>
+          </p:cNvSpPr>
           <p:nvPr>
             <p:ph type="sldNum" sz="quarter" idx="2"/>
           </p:nvPr>
@@ -841,8 +855,10 @@
           <a:bodyPr/>
           <a:lstStyle/>
           <a:p>
-            <a:pPr/>
-            <a:fld id="{86CB4B4D-7CA3-9044-876B-883B54F8677D}" type="slidenum"/>
+            <a:fld id="{86CB4B4D-7CA3-9044-876B-883B54F8677D}" type="slidenum">
+              <a:t>‹#›</a:t>
+            </a:fld>
+            <a:endParaRPr/>
           </a:p>
         </p:txBody>
       </p:sp>
@@ -851,12 +867,12 @@
   <p:clrMapOvr>
     <a:masterClrMapping/>
   </p:clrMapOvr>
-  <p:transition xmlns:p14="http://schemas.microsoft.com/office/powerpoint/2010/main" spd="med" advClick="1"/>
+  <p:transition spd="med"/>
 </p:sldLayout>
 </file>
 
 <file path=ppt/slideLayouts/slideLayout10.xml><?xml version="1.0" encoding="utf-8"?>
-<p:sldLayout xmlns:a="http://schemas.openxmlformats.org/drawingml/2006/main" xmlns:r="http://schemas.openxmlformats.org/officeDocument/2006/relationships" xmlns:p="http://schemas.openxmlformats.org/presentationml/2006/main" xmlns:m="http://schemas.openxmlformats.org/officeDocument/2006/math" xmlns:a14="http://schemas.microsoft.com/office/drawing/2010/main" type="tx" showMasterSp="0" showMasterPhAnim="1">
+<p:sldLayout xmlns:a="http://schemas.openxmlformats.org/drawingml/2006/main" xmlns:r="http://schemas.openxmlformats.org/officeDocument/2006/relationships" xmlns:p="http://schemas.openxmlformats.org/presentationml/2006/main" showMasterSp="0" type="tx">
   <p:cSld name="Quote">
     <p:spTree>
       <p:nvGrpSpPr>
@@ -875,7 +891,9 @@
       <p:sp>
         <p:nvSpPr>
           <p:cNvPr id="111" name="–Johnny Appleseed"/>
-          <p:cNvSpPr txBox="1"/>
+          <p:cNvSpPr txBox="1">
+            <a:spLocks noGrp="1"/>
+          </p:cNvSpPr>
           <p:nvPr>
             <p:ph type="body" sz="quarter" idx="21"/>
           </p:nvPr>
@@ -902,11 +920,10 @@
               <a:buSzTx/>
               <a:buFontTx/>
               <a:buNone/>
-              <a:defRPr i="1" sz="4200"/>
+              <a:defRPr sz="4200" i="1"/>
             </a:lvl1pPr>
           </a:lstStyle>
           <a:p>
-            <a:pPr/>
             <a:r>
               <a:t>–Johnny Appleseed</a:t>
             </a:r>
@@ -916,7 +933,9 @@
       <p:sp>
         <p:nvSpPr>
           <p:cNvPr id="112" name="“Type a quote here.”"/>
-          <p:cNvSpPr txBox="1"/>
+          <p:cNvSpPr txBox="1">
+            <a:spLocks noGrp="1"/>
+          </p:cNvSpPr>
           <p:nvPr>
             <p:ph type="body" sz="quarter" idx="22"/>
           </p:nvPr>
@@ -946,7 +965,6 @@
             </a:lvl1pPr>
           </a:lstStyle>
           <a:p>
-            <a:pPr/>
             <a:r>
               <a:t>“Type a quote here.” </a:t>
             </a:r>
@@ -956,7 +974,9 @@
       <p:sp>
         <p:nvSpPr>
           <p:cNvPr id="113" name="Slide Number"/>
-          <p:cNvSpPr txBox="1"/>
+          <p:cNvSpPr txBox="1">
+            <a:spLocks noGrp="1"/>
+          </p:cNvSpPr>
           <p:nvPr>
             <p:ph type="sldNum" sz="quarter" idx="2"/>
           </p:nvPr>
@@ -970,8 +990,10 @@
           <a:bodyPr/>
           <a:lstStyle/>
           <a:p>
-            <a:pPr/>
-            <a:fld id="{86CB4B4D-7CA3-9044-876B-883B54F8677D}" type="slidenum"/>
+            <a:fld id="{86CB4B4D-7CA3-9044-876B-883B54F8677D}" type="slidenum">
+              <a:t>‹#›</a:t>
+            </a:fld>
+            <a:endParaRPr/>
           </a:p>
         </p:txBody>
       </p:sp>
@@ -980,12 +1002,12 @@
   <p:clrMapOvr>
     <a:masterClrMapping/>
   </p:clrMapOvr>
-  <p:transition xmlns:p14="http://schemas.microsoft.com/office/powerpoint/2010/main" spd="med" advClick="1"/>
+  <p:transition spd="med"/>
 </p:sldLayout>
 </file>
 
 <file path=ppt/slideLayouts/slideLayout11.xml><?xml version="1.0" encoding="utf-8"?>
-<p:sldLayout xmlns:a="http://schemas.openxmlformats.org/drawingml/2006/main" xmlns:r="http://schemas.openxmlformats.org/officeDocument/2006/relationships" xmlns:p="http://schemas.openxmlformats.org/presentationml/2006/main" xmlns:m="http://schemas.openxmlformats.org/officeDocument/2006/math" xmlns:a14="http://schemas.microsoft.com/office/drawing/2010/main" type="tx" showMasterSp="0" showMasterPhAnim="1">
+<p:sldLayout xmlns:a="http://schemas.openxmlformats.org/drawingml/2006/main" xmlns:r="http://schemas.openxmlformats.org/officeDocument/2006/relationships" xmlns:p="http://schemas.openxmlformats.org/presentationml/2006/main" showMasterSp="0" type="tx">
   <p:cSld name="Photo">
     <p:spTree>
       <p:nvGrpSpPr>
@@ -1004,7 +1026,9 @@
       <p:sp>
         <p:nvSpPr>
           <p:cNvPr id="120" name="Black and white photo looking up at the suspension cables of a bridge with clouds in the background"/>
-          <p:cNvSpPr/>
+          <p:cNvSpPr>
+            <a:spLocks noGrp="1"/>
+          </p:cNvSpPr>
           <p:nvPr>
             <p:ph type="pic" idx="21"/>
           </p:nvPr>
@@ -1024,14 +1048,16 @@
           </a:bodyPr>
           <a:lstStyle/>
           <a:p>
-            <a:pPr/>
+            <a:endParaRPr/>
           </a:p>
         </p:txBody>
       </p:sp>
       <p:sp>
         <p:nvSpPr>
           <p:cNvPr id="121" name="Slide Number"/>
-          <p:cNvSpPr txBox="1"/>
+          <p:cNvSpPr txBox="1">
+            <a:spLocks noGrp="1"/>
+          </p:cNvSpPr>
           <p:nvPr>
             <p:ph type="sldNum" sz="quarter" idx="2"/>
           </p:nvPr>
@@ -1045,8 +1071,10 @@
           <a:bodyPr/>
           <a:lstStyle/>
           <a:p>
-            <a:pPr/>
-            <a:fld id="{86CB4B4D-7CA3-9044-876B-883B54F8677D}" type="slidenum"/>
+            <a:fld id="{86CB4B4D-7CA3-9044-876B-883B54F8677D}" type="slidenum">
+              <a:t>‹#›</a:t>
+            </a:fld>
+            <a:endParaRPr/>
           </a:p>
         </p:txBody>
       </p:sp>
@@ -1055,12 +1083,12 @@
   <p:clrMapOvr>
     <a:masterClrMapping/>
   </p:clrMapOvr>
-  <p:transition xmlns:p14="http://schemas.microsoft.com/office/powerpoint/2010/main" spd="med" advClick="1"/>
+  <p:transition spd="med"/>
 </p:sldLayout>
 </file>
 
 <file path=ppt/slideLayouts/slideLayout12.xml><?xml version="1.0" encoding="utf-8"?>
-<p:sldLayout xmlns:a="http://schemas.openxmlformats.org/drawingml/2006/main" xmlns:r="http://schemas.openxmlformats.org/officeDocument/2006/relationships" xmlns:p="http://schemas.openxmlformats.org/presentationml/2006/main" xmlns:m="http://schemas.openxmlformats.org/officeDocument/2006/math" xmlns:a14="http://schemas.microsoft.com/office/drawing/2010/main" type="tx" showMasterSp="0" showMasterPhAnim="1">
+<p:sldLayout xmlns:a="http://schemas.openxmlformats.org/drawingml/2006/main" xmlns:r="http://schemas.openxmlformats.org/officeDocument/2006/relationships" xmlns:p="http://schemas.openxmlformats.org/presentationml/2006/main" showMasterSp="0" type="tx">
   <p:cSld name="Blank">
     <p:spTree>
       <p:nvGrpSpPr>
@@ -1079,7 +1107,9 @@
       <p:sp>
         <p:nvSpPr>
           <p:cNvPr id="128" name="Slide Number"/>
-          <p:cNvSpPr txBox="1"/>
+          <p:cNvSpPr txBox="1">
+            <a:spLocks noGrp="1"/>
+          </p:cNvSpPr>
           <p:nvPr>
             <p:ph type="sldNum" sz="quarter" idx="2"/>
           </p:nvPr>
@@ -1093,8 +1123,10 @@
           <a:bodyPr/>
           <a:lstStyle/>
           <a:p>
-            <a:pPr/>
-            <a:fld id="{86CB4B4D-7CA3-9044-876B-883B54F8677D}" type="slidenum"/>
+            <a:fld id="{86CB4B4D-7CA3-9044-876B-883B54F8677D}" type="slidenum">
+              <a:t>‹#›</a:t>
+            </a:fld>
+            <a:endParaRPr/>
           </a:p>
         </p:txBody>
       </p:sp>
@@ -1103,12 +1135,12 @@
   <p:clrMapOvr>
     <a:masterClrMapping/>
   </p:clrMapOvr>
-  <p:transition xmlns:p14="http://schemas.microsoft.com/office/powerpoint/2010/main" spd="med" advClick="1"/>
+  <p:transition spd="med"/>
 </p:sldLayout>
 </file>
 
 <file path=ppt/slideLayouts/slideLayout2.xml><?xml version="1.0" encoding="utf-8"?>
-<p:sldLayout xmlns:a="http://schemas.openxmlformats.org/drawingml/2006/main" xmlns:r="http://schemas.openxmlformats.org/officeDocument/2006/relationships" xmlns:p="http://schemas.openxmlformats.org/presentationml/2006/main" xmlns:m="http://schemas.openxmlformats.org/officeDocument/2006/math" xmlns:a14="http://schemas.microsoft.com/office/drawing/2010/main" type="tx" showMasterSp="0" showMasterPhAnim="1">
+<p:sldLayout xmlns:a="http://schemas.openxmlformats.org/drawingml/2006/main" xmlns:r="http://schemas.openxmlformats.org/officeDocument/2006/relationships" xmlns:p="http://schemas.openxmlformats.org/presentationml/2006/main" showMasterSp="0" type="tx">
   <p:cSld name="Photo - Horizontal">
     <p:spTree>
       <p:nvGrpSpPr>
@@ -1162,6 +1194,7 @@
                 <a:sym typeface="Helvetica"/>
               </a:defRPr>
             </a:pPr>
+            <a:endParaRPr/>
           </a:p>
         </p:txBody>
       </p:sp>
@@ -1203,6 +1236,7 @@
                 <a:sym typeface="Helvetica"/>
               </a:defRPr>
             </a:pPr>
+            <a:endParaRPr/>
           </a:p>
         </p:txBody>
       </p:sp>
@@ -1244,6 +1278,7 @@
                 <a:sym typeface="Helvetica"/>
               </a:defRPr>
             </a:pPr>
+            <a:endParaRPr/>
           </a:p>
         </p:txBody>
       </p:sp>
@@ -1285,13 +1320,16 @@
                 <a:sym typeface="Helvetica"/>
               </a:defRPr>
             </a:pPr>
+            <a:endParaRPr/>
           </a:p>
         </p:txBody>
       </p:sp>
       <p:sp>
         <p:nvSpPr>
           <p:cNvPr id="30" name="Lorem Ipsum Dolor"/>
-          <p:cNvSpPr txBox="1"/>
+          <p:cNvSpPr txBox="1">
+            <a:spLocks noGrp="1"/>
+          </p:cNvSpPr>
           <p:nvPr>
             <p:ph type="body" sz="quarter" idx="21"/>
           </p:nvPr>
@@ -1321,11 +1359,10 @@
               <a:buSzTx/>
               <a:buFontTx/>
               <a:buNone/>
-              <a:defRPr i="1" sz="3200"/>
+              <a:defRPr sz="3200" i="1"/>
             </a:lvl1pPr>
           </a:lstStyle>
           <a:p>
-            <a:pPr/>
             <a:r>
               <a:t>Lorem Ipsum Dolor</a:t>
             </a:r>
@@ -1335,7 +1372,9 @@
       <p:sp>
         <p:nvSpPr>
           <p:cNvPr id="31" name="Black and white photo of the Zeeland Bridge in the Netherlands"/>
-          <p:cNvSpPr/>
+          <p:cNvSpPr>
+            <a:spLocks noGrp="1"/>
+          </p:cNvSpPr>
           <p:nvPr>
             <p:ph type="pic" idx="22"/>
           </p:nvPr>
@@ -1358,14 +1397,16 @@
           </a:bodyPr>
           <a:lstStyle/>
           <a:p>
-            <a:pPr/>
+            <a:endParaRPr/>
           </a:p>
         </p:txBody>
       </p:sp>
       <p:sp>
         <p:nvSpPr>
           <p:cNvPr id="32" name="Title Text"/>
-          <p:cNvSpPr txBox="1"/>
+          <p:cNvSpPr txBox="1">
+            <a:spLocks noGrp="1"/>
+          </p:cNvSpPr>
           <p:nvPr>
             <p:ph type="title"/>
           </p:nvPr>
@@ -1385,7 +1426,6 @@
             <a:lvl1pPr algn="l"/>
           </a:lstStyle>
           <a:p>
-            <a:pPr/>
             <a:r>
               <a:t>Title Text</a:t>
             </a:r>
@@ -1395,7 +1435,9 @@
       <p:sp>
         <p:nvSpPr>
           <p:cNvPr id="33" name="Body Level One…"/>
-          <p:cNvSpPr txBox="1"/>
+          <p:cNvSpPr txBox="1">
+            <a:spLocks noGrp="1"/>
+          </p:cNvSpPr>
           <p:nvPr>
             <p:ph type="body" sz="quarter" idx="1"/>
           </p:nvPr>
@@ -1464,7 +1506,6 @@
             </a:lvl5pPr>
           </a:lstStyle>
           <a:p>
-            <a:pPr/>
             <a:r>
               <a:t>Body Level One</a:t>
             </a:r>
@@ -1498,7 +1539,9 @@
       <p:sp>
         <p:nvSpPr>
           <p:cNvPr id="34" name="Slide Number"/>
-          <p:cNvSpPr txBox="1"/>
+          <p:cNvSpPr txBox="1">
+            <a:spLocks noGrp="1"/>
+          </p:cNvSpPr>
           <p:nvPr>
             <p:ph type="sldNum" sz="quarter" idx="2"/>
           </p:nvPr>
@@ -1512,8 +1555,10 @@
           <a:bodyPr/>
           <a:lstStyle/>
           <a:p>
-            <a:pPr/>
-            <a:fld id="{86CB4B4D-7CA3-9044-876B-883B54F8677D}" type="slidenum"/>
+            <a:fld id="{86CB4B4D-7CA3-9044-876B-883B54F8677D}" type="slidenum">
+              <a:t>‹#›</a:t>
+            </a:fld>
+            <a:endParaRPr/>
           </a:p>
         </p:txBody>
       </p:sp>
@@ -1522,12 +1567,12 @@
   <p:clrMapOvr>
     <a:masterClrMapping/>
   </p:clrMapOvr>
-  <p:transition xmlns:p14="http://schemas.microsoft.com/office/powerpoint/2010/main" spd="med" advClick="1"/>
+  <p:transition spd="med"/>
 </p:sldLayout>
 </file>
 
 <file path=ppt/slideLayouts/slideLayout3.xml><?xml version="1.0" encoding="utf-8"?>
-<p:sldLayout xmlns:a="http://schemas.openxmlformats.org/drawingml/2006/main" xmlns:r="http://schemas.openxmlformats.org/officeDocument/2006/relationships" xmlns:p="http://schemas.openxmlformats.org/presentationml/2006/main" xmlns:m="http://schemas.openxmlformats.org/officeDocument/2006/math" xmlns:a14="http://schemas.microsoft.com/office/drawing/2010/main" type="tx" showMasterSp="0" showMasterPhAnim="1">
+<p:sldLayout xmlns:a="http://schemas.openxmlformats.org/drawingml/2006/main" xmlns:r="http://schemas.openxmlformats.org/officeDocument/2006/relationships" xmlns:p="http://schemas.openxmlformats.org/presentationml/2006/main" showMasterSp="0" type="tx">
   <p:cSld name="Title - Centre">
     <p:spTree>
       <p:nvGrpSpPr>
@@ -1546,7 +1591,9 @@
       <p:sp>
         <p:nvSpPr>
           <p:cNvPr id="41" name="Title Text"/>
-          <p:cNvSpPr txBox="1"/>
+          <p:cNvSpPr txBox="1">
+            <a:spLocks noGrp="1"/>
+          </p:cNvSpPr>
           <p:nvPr>
             <p:ph type="title"/>
           </p:nvPr>
@@ -1564,7 +1611,6 @@
           <a:bodyPr/>
           <a:lstStyle/>
           <a:p>
-            <a:pPr/>
             <a:r>
               <a:t>Title Text</a:t>
             </a:r>
@@ -1574,7 +1620,9 @@
       <p:sp>
         <p:nvSpPr>
           <p:cNvPr id="42" name="Slide Number"/>
-          <p:cNvSpPr txBox="1"/>
+          <p:cNvSpPr txBox="1">
+            <a:spLocks noGrp="1"/>
+          </p:cNvSpPr>
           <p:nvPr>
             <p:ph type="sldNum" sz="quarter" idx="2"/>
           </p:nvPr>
@@ -1588,8 +1636,10 @@
           <a:bodyPr/>
           <a:lstStyle/>
           <a:p>
-            <a:pPr/>
-            <a:fld id="{86CB4B4D-7CA3-9044-876B-883B54F8677D}" type="slidenum"/>
+            <a:fld id="{86CB4B4D-7CA3-9044-876B-883B54F8677D}" type="slidenum">
+              <a:t>‹#›</a:t>
+            </a:fld>
+            <a:endParaRPr/>
           </a:p>
         </p:txBody>
       </p:sp>
@@ -1598,12 +1648,12 @@
   <p:clrMapOvr>
     <a:masterClrMapping/>
   </p:clrMapOvr>
-  <p:transition xmlns:p14="http://schemas.microsoft.com/office/powerpoint/2010/main" spd="med" advClick="1"/>
+  <p:transition spd="med"/>
 </p:sldLayout>
 </file>
 
 <file path=ppt/slideLayouts/slideLayout4.xml><?xml version="1.0" encoding="utf-8"?>
-<p:sldLayout xmlns:a="http://schemas.openxmlformats.org/drawingml/2006/main" xmlns:r="http://schemas.openxmlformats.org/officeDocument/2006/relationships" xmlns:p="http://schemas.openxmlformats.org/presentationml/2006/main" xmlns:m="http://schemas.openxmlformats.org/officeDocument/2006/math" xmlns:a14="http://schemas.microsoft.com/office/drawing/2010/main" type="tx" showMasterSp="0" showMasterPhAnim="1">
+<p:sldLayout xmlns:a="http://schemas.openxmlformats.org/drawingml/2006/main" xmlns:r="http://schemas.openxmlformats.org/officeDocument/2006/relationships" xmlns:p="http://schemas.openxmlformats.org/presentationml/2006/main" showMasterSp="0" type="tx">
   <p:cSld name="Photo - Vertical">
     <p:spTree>
       <p:nvGrpSpPr>
@@ -1657,6 +1707,7 @@
                 <a:sym typeface="Helvetica"/>
               </a:defRPr>
             </a:pPr>
+            <a:endParaRPr/>
           </a:p>
         </p:txBody>
       </p:sp>
@@ -1698,13 +1749,16 @@
                 <a:sym typeface="Helvetica"/>
               </a:defRPr>
             </a:pPr>
+            <a:endParaRPr/>
           </a:p>
         </p:txBody>
       </p:sp>
       <p:sp>
         <p:nvSpPr>
           <p:cNvPr id="51" name="Lorem Ipsum Dolor"/>
-          <p:cNvSpPr txBox="1"/>
+          <p:cNvSpPr txBox="1">
+            <a:spLocks noGrp="1"/>
+          </p:cNvSpPr>
           <p:nvPr>
             <p:ph type="body" sz="quarter" idx="21"/>
           </p:nvPr>
@@ -1734,11 +1788,10 @@
               <a:buSzTx/>
               <a:buFontTx/>
               <a:buNone/>
-              <a:defRPr i="1" sz="3200"/>
+              <a:defRPr sz="3200" i="1"/>
             </a:lvl1pPr>
           </a:lstStyle>
           <a:p>
-            <a:pPr/>
             <a:r>
               <a:t>Lorem Ipsum Dolor</a:t>
             </a:r>
@@ -1748,7 +1801,9 @@
       <p:sp>
         <p:nvSpPr>
           <p:cNvPr id="52" name="Black and white photo of the underside of a bridge going over a river and against the sky "/>
-          <p:cNvSpPr/>
+          <p:cNvSpPr>
+            <a:spLocks noGrp="1"/>
+          </p:cNvSpPr>
           <p:nvPr>
             <p:ph type="pic" idx="22"/>
           </p:nvPr>
@@ -1771,14 +1826,16 @@
           </a:bodyPr>
           <a:lstStyle/>
           <a:p>
-            <a:pPr/>
+            <a:endParaRPr/>
           </a:p>
         </p:txBody>
       </p:sp>
       <p:sp>
         <p:nvSpPr>
           <p:cNvPr id="53" name="Title Text"/>
-          <p:cNvSpPr txBox="1"/>
+          <p:cNvSpPr txBox="1">
+            <a:spLocks noGrp="1"/>
+          </p:cNvSpPr>
           <p:nvPr>
             <p:ph type="title"/>
           </p:nvPr>
@@ -1800,7 +1857,6 @@
             </a:lvl1pPr>
           </a:lstStyle>
           <a:p>
-            <a:pPr/>
             <a:r>
               <a:t>Title Text</a:t>
             </a:r>
@@ -1810,7 +1866,9 @@
       <p:sp>
         <p:nvSpPr>
           <p:cNvPr id="54" name="Body Level One…"/>
-          <p:cNvSpPr txBox="1"/>
+          <p:cNvSpPr txBox="1">
+            <a:spLocks noGrp="1"/>
+          </p:cNvSpPr>
           <p:nvPr>
             <p:ph type="body" sz="quarter" idx="1"/>
           </p:nvPr>
@@ -1879,7 +1937,6 @@
             </a:lvl5pPr>
           </a:lstStyle>
           <a:p>
-            <a:pPr/>
             <a:r>
               <a:t>Body Level One</a:t>
             </a:r>
@@ -1913,7 +1970,9 @@
       <p:sp>
         <p:nvSpPr>
           <p:cNvPr id="55" name="Slide Number"/>
-          <p:cNvSpPr txBox="1"/>
+          <p:cNvSpPr txBox="1">
+            <a:spLocks noGrp="1"/>
+          </p:cNvSpPr>
           <p:nvPr>
             <p:ph type="sldNum" sz="quarter" idx="2"/>
           </p:nvPr>
@@ -1927,8 +1986,10 @@
           <a:bodyPr/>
           <a:lstStyle/>
           <a:p>
-            <a:pPr/>
-            <a:fld id="{86CB4B4D-7CA3-9044-876B-883B54F8677D}" type="slidenum"/>
+            <a:fld id="{86CB4B4D-7CA3-9044-876B-883B54F8677D}" type="slidenum">
+              <a:t>‹#›</a:t>
+            </a:fld>
+            <a:endParaRPr/>
           </a:p>
         </p:txBody>
       </p:sp>
@@ -1937,12 +1998,12 @@
   <p:clrMapOvr>
     <a:masterClrMapping/>
   </p:clrMapOvr>
-  <p:transition xmlns:p14="http://schemas.microsoft.com/office/powerpoint/2010/main" spd="med" advClick="1"/>
+  <p:transition spd="med"/>
 </p:sldLayout>
 </file>
 
 <file path=ppt/slideLayouts/slideLayout5.xml><?xml version="1.0" encoding="utf-8"?>
-<p:sldLayout xmlns:a="http://schemas.openxmlformats.org/drawingml/2006/main" xmlns:r="http://schemas.openxmlformats.org/officeDocument/2006/relationships" xmlns:p="http://schemas.openxmlformats.org/presentationml/2006/main" xmlns:m="http://schemas.openxmlformats.org/officeDocument/2006/math" xmlns:a14="http://schemas.microsoft.com/office/drawing/2010/main" type="tx" showMasterSp="1" showMasterPhAnim="1">
+<p:sldLayout xmlns:a="http://schemas.openxmlformats.org/drawingml/2006/main" xmlns:r="http://schemas.openxmlformats.org/officeDocument/2006/relationships" xmlns:p="http://schemas.openxmlformats.org/presentationml/2006/main" type="tx">
   <p:cSld name="Title - Top">
     <p:spTree>
       <p:nvGrpSpPr>
@@ -1961,7 +2022,9 @@
       <p:sp>
         <p:nvSpPr>
           <p:cNvPr id="62" name="Title Text"/>
-          <p:cNvSpPr txBox="1"/>
+          <p:cNvSpPr txBox="1">
+            <a:spLocks noGrp="1"/>
+          </p:cNvSpPr>
           <p:nvPr>
             <p:ph type="title"/>
           </p:nvPr>
@@ -1975,7 +2038,6 @@
           <a:bodyPr/>
           <a:lstStyle/>
           <a:p>
-            <a:pPr/>
             <a:r>
               <a:t>Title Text</a:t>
             </a:r>
@@ -1985,7 +2047,9 @@
       <p:sp>
         <p:nvSpPr>
           <p:cNvPr id="63" name="Slide Number"/>
-          <p:cNvSpPr txBox="1"/>
+          <p:cNvSpPr txBox="1">
+            <a:spLocks noGrp="1"/>
+          </p:cNvSpPr>
           <p:nvPr>
             <p:ph type="sldNum" sz="quarter" idx="2"/>
           </p:nvPr>
@@ -1999,8 +2063,10 @@
           <a:bodyPr/>
           <a:lstStyle/>
           <a:p>
-            <a:pPr/>
-            <a:fld id="{86CB4B4D-7CA3-9044-876B-883B54F8677D}" type="slidenum"/>
+            <a:fld id="{86CB4B4D-7CA3-9044-876B-883B54F8677D}" type="slidenum">
+              <a:t>‹#›</a:t>
+            </a:fld>
+            <a:endParaRPr/>
           </a:p>
         </p:txBody>
       </p:sp>
@@ -2009,12 +2075,12 @@
   <p:clrMapOvr>
     <a:masterClrMapping/>
   </p:clrMapOvr>
-  <p:transition xmlns:p14="http://schemas.microsoft.com/office/powerpoint/2010/main" spd="med" advClick="1"/>
+  <p:transition spd="med"/>
 </p:sldLayout>
 </file>
 
 <file path=ppt/slideLayouts/slideLayout6.xml><?xml version="1.0" encoding="utf-8"?>
-<p:sldLayout xmlns:a="http://schemas.openxmlformats.org/drawingml/2006/main" xmlns:r="http://schemas.openxmlformats.org/officeDocument/2006/relationships" xmlns:p="http://schemas.openxmlformats.org/presentationml/2006/main" xmlns:m="http://schemas.openxmlformats.org/officeDocument/2006/math" xmlns:a14="http://schemas.microsoft.com/office/drawing/2010/main" type="tx" showMasterSp="0" showMasterPhAnim="1">
+<p:sldLayout xmlns:a="http://schemas.openxmlformats.org/drawingml/2006/main" xmlns:r="http://schemas.openxmlformats.org/officeDocument/2006/relationships" xmlns:p="http://schemas.openxmlformats.org/presentationml/2006/main" showMasterSp="0" type="tx">
   <p:cSld name="Title &amp; Bullets">
     <p:spTree>
       <p:nvGrpSpPr>
@@ -2068,6 +2134,7 @@
                 <a:sym typeface="Helvetica"/>
               </a:defRPr>
             </a:pPr>
+            <a:endParaRPr/>
           </a:p>
         </p:txBody>
       </p:sp>
@@ -2109,13 +2176,16 @@
                 <a:sym typeface="Helvetica"/>
               </a:defRPr>
             </a:pPr>
+            <a:endParaRPr/>
           </a:p>
         </p:txBody>
       </p:sp>
       <p:sp>
         <p:nvSpPr>
           <p:cNvPr id="72" name="Title Text"/>
-          <p:cNvSpPr txBox="1"/>
+          <p:cNvSpPr txBox="1">
+            <a:spLocks noGrp="1"/>
+          </p:cNvSpPr>
           <p:nvPr>
             <p:ph type="title"/>
           </p:nvPr>
@@ -2129,7 +2199,6 @@
           <a:bodyPr/>
           <a:lstStyle/>
           <a:p>
-            <a:pPr/>
             <a:r>
               <a:t>Title Text</a:t>
             </a:r>
@@ -2139,7 +2208,9 @@
       <p:sp>
         <p:nvSpPr>
           <p:cNvPr id="73" name="Body Level One…"/>
-          <p:cNvSpPr txBox="1"/>
+          <p:cNvSpPr txBox="1">
+            <a:spLocks noGrp="1"/>
+          </p:cNvSpPr>
           <p:nvPr>
             <p:ph type="body" idx="1"/>
           </p:nvPr>
@@ -2153,7 +2224,6 @@
           <a:bodyPr/>
           <a:lstStyle/>
           <a:p>
-            <a:pPr/>
             <a:r>
               <a:t>Body Level One</a:t>
             </a:r>
@@ -2187,7 +2257,9 @@
       <p:sp>
         <p:nvSpPr>
           <p:cNvPr id="74" name="Slide Number"/>
-          <p:cNvSpPr txBox="1"/>
+          <p:cNvSpPr txBox="1">
+            <a:spLocks noGrp="1"/>
+          </p:cNvSpPr>
           <p:nvPr>
             <p:ph type="sldNum" sz="quarter" idx="2"/>
           </p:nvPr>
@@ -2201,8 +2273,10 @@
           <a:bodyPr/>
           <a:lstStyle/>
           <a:p>
-            <a:pPr/>
-            <a:fld id="{86CB4B4D-7CA3-9044-876B-883B54F8677D}" type="slidenum"/>
+            <a:fld id="{86CB4B4D-7CA3-9044-876B-883B54F8677D}" type="slidenum">
+              <a:t>‹#›</a:t>
+            </a:fld>
+            <a:endParaRPr/>
           </a:p>
         </p:txBody>
       </p:sp>
@@ -2211,12 +2285,12 @@
   <p:clrMapOvr>
     <a:masterClrMapping/>
   </p:clrMapOvr>
-  <p:transition xmlns:p14="http://schemas.microsoft.com/office/powerpoint/2010/main" spd="med" advClick="1"/>
+  <p:transition spd="med"/>
 </p:sldLayout>
 </file>
 
 <file path=ppt/slideLayouts/slideLayout7.xml><?xml version="1.0" encoding="utf-8"?>
-<p:sldLayout xmlns:a="http://schemas.openxmlformats.org/drawingml/2006/main" xmlns:r="http://schemas.openxmlformats.org/officeDocument/2006/relationships" xmlns:p="http://schemas.openxmlformats.org/presentationml/2006/main" xmlns:m="http://schemas.openxmlformats.org/officeDocument/2006/math" xmlns:a14="http://schemas.microsoft.com/office/drawing/2010/main" type="tx" showMasterSp="0" showMasterPhAnim="1">
+<p:sldLayout xmlns:a="http://schemas.openxmlformats.org/drawingml/2006/main" xmlns:r="http://schemas.openxmlformats.org/officeDocument/2006/relationships" xmlns:p="http://schemas.openxmlformats.org/presentationml/2006/main" showMasterSp="0" type="tx">
   <p:cSld name="Title, Bullets &amp; Photo">
     <p:spTree>
       <p:nvGrpSpPr>
@@ -2270,6 +2344,7 @@
                 <a:sym typeface="Helvetica"/>
               </a:defRPr>
             </a:pPr>
+            <a:endParaRPr/>
           </a:p>
         </p:txBody>
       </p:sp>
@@ -2311,13 +2386,16 @@
                 <a:sym typeface="Helvetica"/>
               </a:defRPr>
             </a:pPr>
+            <a:endParaRPr/>
           </a:p>
         </p:txBody>
       </p:sp>
       <p:sp>
         <p:nvSpPr>
           <p:cNvPr id="83" name="Black and white photo of the underside of a bridge going over a river and against the sky "/>
-          <p:cNvSpPr/>
+          <p:cNvSpPr>
+            <a:spLocks noGrp="1"/>
+          </p:cNvSpPr>
           <p:nvPr>
             <p:ph type="pic" idx="21"/>
           </p:nvPr>
@@ -2340,14 +2418,16 @@
           </a:bodyPr>
           <a:lstStyle/>
           <a:p>
-            <a:pPr/>
+            <a:endParaRPr/>
           </a:p>
         </p:txBody>
       </p:sp>
       <p:sp>
         <p:nvSpPr>
           <p:cNvPr id="84" name="Title Text"/>
-          <p:cNvSpPr txBox="1"/>
+          <p:cNvSpPr txBox="1">
+            <a:spLocks noGrp="1"/>
+          </p:cNvSpPr>
           <p:nvPr>
             <p:ph type="title"/>
           </p:nvPr>
@@ -2361,7 +2441,6 @@
           <a:bodyPr/>
           <a:lstStyle/>
           <a:p>
-            <a:pPr/>
             <a:r>
               <a:t>Title Text</a:t>
             </a:r>
@@ -2371,7 +2450,9 @@
       <p:sp>
         <p:nvSpPr>
           <p:cNvPr id="85" name="Body Level One…"/>
-          <p:cNvSpPr txBox="1"/>
+          <p:cNvSpPr txBox="1">
+            <a:spLocks noGrp="1"/>
+          </p:cNvSpPr>
           <p:nvPr>
             <p:ph type="body" sz="half" idx="1"/>
           </p:nvPr>
@@ -2425,7 +2506,6 @@
             </a:lvl5pPr>
           </a:lstStyle>
           <a:p>
-            <a:pPr/>
             <a:r>
               <a:t>Body Level One</a:t>
             </a:r>
@@ -2459,7 +2539,9 @@
       <p:sp>
         <p:nvSpPr>
           <p:cNvPr id="86" name="Slide Number"/>
-          <p:cNvSpPr txBox="1"/>
+          <p:cNvSpPr txBox="1">
+            <a:spLocks noGrp="1"/>
+          </p:cNvSpPr>
           <p:nvPr>
             <p:ph type="sldNum" sz="quarter" idx="2"/>
           </p:nvPr>
@@ -2473,8 +2555,10 @@
           <a:bodyPr/>
           <a:lstStyle/>
           <a:p>
-            <a:pPr/>
-            <a:fld id="{86CB4B4D-7CA3-9044-876B-883B54F8677D}" type="slidenum"/>
+            <a:fld id="{86CB4B4D-7CA3-9044-876B-883B54F8677D}" type="slidenum">
+              <a:t>‹#›</a:t>
+            </a:fld>
+            <a:endParaRPr/>
           </a:p>
         </p:txBody>
       </p:sp>
@@ -2483,12 +2567,12 @@
   <p:clrMapOvr>
     <a:masterClrMapping/>
   </p:clrMapOvr>
-  <p:transition xmlns:p14="http://schemas.microsoft.com/office/powerpoint/2010/main" spd="med" advClick="1"/>
+  <p:transition spd="med"/>
 </p:sldLayout>
 </file>
 
 <file path=ppt/slideLayouts/slideLayout8.xml><?xml version="1.0" encoding="utf-8"?>
-<p:sldLayout xmlns:a="http://schemas.openxmlformats.org/drawingml/2006/main" xmlns:r="http://schemas.openxmlformats.org/officeDocument/2006/relationships" xmlns:p="http://schemas.openxmlformats.org/presentationml/2006/main" xmlns:m="http://schemas.openxmlformats.org/officeDocument/2006/math" xmlns:a14="http://schemas.microsoft.com/office/drawing/2010/main" type="tx" showMasterSp="0" showMasterPhAnim="1">
+<p:sldLayout xmlns:a="http://schemas.openxmlformats.org/drawingml/2006/main" xmlns:r="http://schemas.openxmlformats.org/officeDocument/2006/relationships" xmlns:p="http://schemas.openxmlformats.org/presentationml/2006/main" showMasterSp="0" type="tx">
   <p:cSld name="Bullets">
     <p:spTree>
       <p:nvGrpSpPr>
@@ -2507,7 +2591,9 @@
       <p:sp>
         <p:nvSpPr>
           <p:cNvPr id="93" name="Body Level One…"/>
-          <p:cNvSpPr txBox="1"/>
+          <p:cNvSpPr txBox="1">
+            <a:spLocks noGrp="1"/>
+          </p:cNvSpPr>
           <p:nvPr>
             <p:ph type="body" idx="1"/>
           </p:nvPr>
@@ -2525,7 +2611,6 @@
           <a:bodyPr/>
           <a:lstStyle/>
           <a:p>
-            <a:pPr/>
             <a:r>
               <a:t>Body Level One</a:t>
             </a:r>
@@ -2559,7 +2644,9 @@
       <p:sp>
         <p:nvSpPr>
           <p:cNvPr id="94" name="Slide Number"/>
-          <p:cNvSpPr txBox="1"/>
+          <p:cNvSpPr txBox="1">
+            <a:spLocks noGrp="1"/>
+          </p:cNvSpPr>
           <p:nvPr>
             <p:ph type="sldNum" sz="quarter" idx="2"/>
           </p:nvPr>
@@ -2573,8 +2660,10 @@
           <a:bodyPr/>
           <a:lstStyle/>
           <a:p>
-            <a:pPr/>
-            <a:fld id="{86CB4B4D-7CA3-9044-876B-883B54F8677D}" type="slidenum"/>
+            <a:fld id="{86CB4B4D-7CA3-9044-876B-883B54F8677D}" type="slidenum">
+              <a:t>‹#›</a:t>
+            </a:fld>
+            <a:endParaRPr/>
           </a:p>
         </p:txBody>
       </p:sp>
@@ -2583,12 +2672,12 @@
   <p:clrMapOvr>
     <a:masterClrMapping/>
   </p:clrMapOvr>
-  <p:transition xmlns:p14="http://schemas.microsoft.com/office/powerpoint/2010/main" spd="med" advClick="1"/>
+  <p:transition spd="med"/>
 </p:sldLayout>
 </file>
 
 <file path=ppt/slideLayouts/slideLayout9.xml><?xml version="1.0" encoding="utf-8"?>
-<p:sldLayout xmlns:a="http://schemas.openxmlformats.org/drawingml/2006/main" xmlns:r="http://schemas.openxmlformats.org/officeDocument/2006/relationships" xmlns:p="http://schemas.openxmlformats.org/presentationml/2006/main" xmlns:m="http://schemas.openxmlformats.org/officeDocument/2006/math" xmlns:a14="http://schemas.microsoft.com/office/drawing/2010/main" type="tx" showMasterSp="0" showMasterPhAnim="1">
+<p:sldLayout xmlns:a="http://schemas.openxmlformats.org/drawingml/2006/main" xmlns:r="http://schemas.openxmlformats.org/officeDocument/2006/relationships" xmlns:p="http://schemas.openxmlformats.org/presentationml/2006/main" showMasterSp="0" type="tx">
   <p:cSld name="Photo - 3 Up">
     <p:spTree>
       <p:nvGrpSpPr>
@@ -2607,7 +2696,9 @@
       <p:sp>
         <p:nvSpPr>
           <p:cNvPr id="101" name="Black and white photo looking up at the suspension cables of a bridge with clouds in the background"/>
-          <p:cNvSpPr/>
+          <p:cNvSpPr>
+            <a:spLocks noGrp="1"/>
+          </p:cNvSpPr>
           <p:nvPr>
             <p:ph type="pic" sz="half" idx="21"/>
           </p:nvPr>
@@ -2630,14 +2721,16 @@
           </a:bodyPr>
           <a:lstStyle/>
           <a:p>
-            <a:pPr/>
+            <a:endParaRPr/>
           </a:p>
         </p:txBody>
       </p:sp>
       <p:sp>
         <p:nvSpPr>
           <p:cNvPr id="102" name="Black and white photo of the Zeeland Bridge in the Netherlands"/>
-          <p:cNvSpPr/>
+          <p:cNvSpPr>
+            <a:spLocks noGrp="1"/>
+          </p:cNvSpPr>
           <p:nvPr>
             <p:ph type="pic" sz="half" idx="22"/>
           </p:nvPr>
@@ -2660,14 +2753,16 @@
           </a:bodyPr>
           <a:lstStyle/>
           <a:p>
-            <a:pPr/>
+            <a:endParaRPr/>
           </a:p>
         </p:txBody>
       </p:sp>
       <p:sp>
         <p:nvSpPr>
           <p:cNvPr id="103" name="Black and white photo of the underside of a bridge going over a river and against the sky "/>
-          <p:cNvSpPr/>
+          <p:cNvSpPr>
+            <a:spLocks noGrp="1"/>
+          </p:cNvSpPr>
           <p:nvPr>
             <p:ph type="pic" idx="23"/>
           </p:nvPr>
@@ -2690,14 +2785,16 @@
           </a:bodyPr>
           <a:lstStyle/>
           <a:p>
-            <a:pPr/>
+            <a:endParaRPr/>
           </a:p>
         </p:txBody>
       </p:sp>
       <p:sp>
         <p:nvSpPr>
           <p:cNvPr id="104" name="Slide Number"/>
-          <p:cNvSpPr txBox="1"/>
+          <p:cNvSpPr txBox="1">
+            <a:spLocks noGrp="1"/>
+          </p:cNvSpPr>
           <p:nvPr>
             <p:ph type="sldNum" sz="quarter" idx="2"/>
           </p:nvPr>
@@ -2711,8 +2808,10 @@
           <a:bodyPr/>
           <a:lstStyle/>
           <a:p>
-            <a:pPr/>
-            <a:fld id="{86CB4B4D-7CA3-9044-876B-883B54F8677D}" type="slidenum"/>
+            <a:fld id="{86CB4B4D-7CA3-9044-876B-883B54F8677D}" type="slidenum">
+              <a:t>‹#›</a:t>
+            </a:fld>
+            <a:endParaRPr/>
           </a:p>
         </p:txBody>
       </p:sp>
@@ -2721,22 +2820,23 @@
   <p:clrMapOvr>
     <a:masterClrMapping/>
   </p:clrMapOvr>
-  <p:transition xmlns:p14="http://schemas.microsoft.com/office/powerpoint/2010/main" spd="med" advClick="1"/>
+  <p:transition spd="med"/>
 </p:sldLayout>
 </file>
 
 <file path=ppt/slideMasters/slideMaster1.xml><?xml version="1.0" encoding="utf-8"?>
-<p:sldMaster xmlns:a="http://schemas.openxmlformats.org/drawingml/2006/main" xmlns:r="http://schemas.openxmlformats.org/officeDocument/2006/relationships" xmlns:p="http://schemas.openxmlformats.org/presentationml/2006/main" xmlns:m="http://schemas.openxmlformats.org/officeDocument/2006/math" xmlns:a14="http://schemas.microsoft.com/office/drawing/2010/main">
+<p:sldMaster xmlns:a="http://schemas.openxmlformats.org/drawingml/2006/main" xmlns:r="http://schemas.openxmlformats.org/officeDocument/2006/relationships" xmlns:p="http://schemas.openxmlformats.org/presentationml/2006/main">
   <p:cSld>
     <p:bg>
       <p:bgPr>
         <a:blipFill rotWithShape="1">
-          <a:blip r:embed="rId2"/>
-          <a:srcRect l="0" t="0" r="0" b="0"/>
+          <a:blip r:embed="rId14"/>
+          <a:srcRect/>
           <a:stretch>
             <a:fillRect/>
           </a:stretch>
         </a:blipFill>
+        <a:effectLst/>
       </p:bgPr>
     </p:bg>
     <p:spTree>
@@ -2791,6 +2891,7 @@
                 <a:sym typeface="Helvetica"/>
               </a:defRPr>
             </a:pPr>
+            <a:endParaRPr/>
           </a:p>
         </p:txBody>
       </p:sp>
@@ -2832,13 +2933,16 @@
                 <a:sym typeface="Helvetica"/>
               </a:defRPr>
             </a:pPr>
+            <a:endParaRPr/>
           </a:p>
         </p:txBody>
       </p:sp>
       <p:sp>
         <p:nvSpPr>
           <p:cNvPr id="4" name="Title Text"/>
-          <p:cNvSpPr txBox="1"/>
+          <p:cNvSpPr txBox="1">
+            <a:spLocks noGrp="1"/>
+          </p:cNvSpPr>
           <p:nvPr>
             <p:ph type="title"/>
           </p:nvPr>
@@ -2856,17 +2960,16 @@
           </a:ln>
           <a:extLst>
             <a:ext uri="{C572A759-6A51-4108-AA02-DFA0A04FC94B}">
-              <ma14:wrappingTextBoxFlag xmlns:ma14="http://schemas.microsoft.com/office/mac/drawingml/2011/main" val="1"/>
+              <ma14:wrappingTextBoxFlag xmlns:ma14="http://schemas.microsoft.com/office/mac/drawingml/2011/main" xmlns:a14="http://schemas.microsoft.com/office/drawing/2010/main" xmlns:m="http://schemas.openxmlformats.org/officeDocument/2006/math" xmlns="" val="1"/>
             </a:ext>
           </a:extLst>
         </p:spPr>
         <p:txBody>
           <a:bodyPr lIns="50800" tIns="50800" rIns="50800" bIns="50800" anchor="ctr">
-            <a:normAutofit fontScale="100000" lnSpcReduction="0"/>
+            <a:normAutofit/>
           </a:bodyPr>
           <a:lstStyle/>
           <a:p>
-            <a:pPr/>
             <a:r>
               <a:t>Title Text</a:t>
             </a:r>
@@ -2876,7 +2979,9 @@
       <p:sp>
         <p:nvSpPr>
           <p:cNvPr id="5" name="Body Level One…"/>
-          <p:cNvSpPr txBox="1"/>
+          <p:cNvSpPr txBox="1">
+            <a:spLocks noGrp="1"/>
+          </p:cNvSpPr>
           <p:nvPr>
             <p:ph type="body" idx="1"/>
           </p:nvPr>
@@ -2894,17 +2999,16 @@
           </a:ln>
           <a:extLst>
             <a:ext uri="{C572A759-6A51-4108-AA02-DFA0A04FC94B}">
-              <ma14:wrappingTextBoxFlag xmlns:ma14="http://schemas.microsoft.com/office/mac/drawingml/2011/main" val="1"/>
+              <ma14:wrappingTextBoxFlag xmlns:ma14="http://schemas.microsoft.com/office/mac/drawingml/2011/main" xmlns:a14="http://schemas.microsoft.com/office/drawing/2010/main" xmlns:m="http://schemas.openxmlformats.org/officeDocument/2006/math" xmlns="" val="1"/>
             </a:ext>
           </a:extLst>
         </p:spPr>
         <p:txBody>
           <a:bodyPr lIns="50800" tIns="50800" rIns="50800" bIns="50800" anchor="ctr">
-            <a:normAutofit fontScale="100000" lnSpcReduction="0"/>
+            <a:normAutofit/>
           </a:bodyPr>
           <a:lstStyle/>
           <a:p>
-            <a:pPr/>
             <a:r>
               <a:t>Body Level One</a:t>
             </a:r>
@@ -2938,7 +3042,9 @@
       <p:sp>
         <p:nvSpPr>
           <p:cNvPr id="6" name="Slide Number"/>
-          <p:cNvSpPr txBox="1"/>
+          <p:cNvSpPr txBox="1">
+            <a:spLocks noGrp="1"/>
+          </p:cNvSpPr>
           <p:nvPr>
             <p:ph type="sldNum" sz="quarter" idx="2"/>
           </p:nvPr>
@@ -2969,8 +3075,10 @@
             </a:lvl1pPr>
           </a:lstStyle>
           <a:p>
-            <a:pPr/>
-            <a:fld id="{86CB4B4D-7CA3-9044-876B-883B54F8677D}" type="slidenum"/>
+            <a:fld id="{86CB4B4D-7CA3-9044-876B-883B54F8677D}" type="slidenum">
+              <a:t>‹#›</a:t>
+            </a:fld>
+            <a:endParaRPr/>
           </a:p>
         </p:txBody>
       </p:sp>
@@ -2978,20 +3086,20 @@
   </p:cSld>
   <p:clrMap bg1="lt1" tx1="dk1" bg2="lt2" tx2="dk2" accent1="accent1" accent2="accent2" accent3="accent3" accent4="accent4" accent5="accent5" accent6="accent6" hlink="hlink" folHlink="folHlink"/>
   <p:sldLayoutIdLst>
-    <p:sldLayoutId id="2147483649" r:id="rId3"/>
-    <p:sldLayoutId id="2147483650" r:id="rId4"/>
-    <p:sldLayoutId id="2147483651" r:id="rId5"/>
-    <p:sldLayoutId id="2147483652" r:id="rId6"/>
-    <p:sldLayoutId id="2147483653" r:id="rId7"/>
-    <p:sldLayoutId id="2147483654" r:id="rId8"/>
-    <p:sldLayoutId id="2147483655" r:id="rId9"/>
-    <p:sldLayoutId id="2147483656" r:id="rId10"/>
-    <p:sldLayoutId id="2147483657" r:id="rId11"/>
-    <p:sldLayoutId id="2147483658" r:id="rId12"/>
-    <p:sldLayoutId id="2147483659" r:id="rId13"/>
-    <p:sldLayoutId id="2147483660" r:id="rId14"/>
+    <p:sldLayoutId id="2147483649" r:id="rId1"/>
+    <p:sldLayoutId id="2147483650" r:id="rId2"/>
+    <p:sldLayoutId id="2147483651" r:id="rId3"/>
+    <p:sldLayoutId id="2147483652" r:id="rId4"/>
+    <p:sldLayoutId id="2147483653" r:id="rId5"/>
+    <p:sldLayoutId id="2147483654" r:id="rId6"/>
+    <p:sldLayoutId id="2147483655" r:id="rId7"/>
+    <p:sldLayoutId id="2147483656" r:id="rId8"/>
+    <p:sldLayoutId id="2147483657" r:id="rId9"/>
+    <p:sldLayoutId id="2147483658" r:id="rId10"/>
+    <p:sldLayoutId id="2147483659" r:id="rId11"/>
+    <p:sldLayoutId id="2147483660" r:id="rId12"/>
   </p:sldLayoutIdLst>
-  <p:transition xmlns:p14="http://schemas.microsoft.com/office/powerpoint/2010/main" spd="med" advClick="1"/>
+  <p:transition spd="med"/>
   <p:txStyles>
     <p:titleStyle>
       <a:lvl1pPr marL="0" marR="0" indent="0" algn="ctr" defTabSz="825500" rtl="0" latinLnBrk="0">
@@ -3009,7 +3117,7 @@
         <a:buFontTx/>
         <a:buNone/>
         <a:tabLst/>
-        <a:defRPr b="0" baseline="0" cap="none" i="0" spc="0" strike="noStrike" sz="9800" u="none">
+        <a:defRPr sz="9800" b="0" i="0" u="none" strike="noStrike" cap="none" spc="0" baseline="0">
           <a:solidFill>
             <a:srgbClr val="D93E2B"/>
           </a:solidFill>
@@ -3035,7 +3143,7 @@
         <a:buFontTx/>
         <a:buNone/>
         <a:tabLst/>
-        <a:defRPr b="0" baseline="0" cap="none" i="0" spc="0" strike="noStrike" sz="9800" u="none">
+        <a:defRPr sz="9800" b="0" i="0" u="none" strike="noStrike" cap="none" spc="0" baseline="0">
           <a:solidFill>
             <a:srgbClr val="D93E2B"/>
           </a:solidFill>
@@ -3061,7 +3169,7 @@
         <a:buFontTx/>
         <a:buNone/>
         <a:tabLst/>
-        <a:defRPr b="0" baseline="0" cap="none" i="0" spc="0" strike="noStrike" sz="9800" u="none">
+        <a:defRPr sz="9800" b="0" i="0" u="none" strike="noStrike" cap="none" spc="0" baseline="0">
           <a:solidFill>
             <a:srgbClr val="D93E2B"/>
           </a:solidFill>
@@ -3087,7 +3195,7 @@
         <a:buFontTx/>
         <a:buNone/>
         <a:tabLst/>
-        <a:defRPr b="0" baseline="0" cap="none" i="0" spc="0" strike="noStrike" sz="9800" u="none">
+        <a:defRPr sz="9800" b="0" i="0" u="none" strike="noStrike" cap="none" spc="0" baseline="0">
           <a:solidFill>
             <a:srgbClr val="D93E2B"/>
           </a:solidFill>
@@ -3113,7 +3221,7 @@
         <a:buFontTx/>
         <a:buNone/>
         <a:tabLst/>
-        <a:defRPr b="0" baseline="0" cap="none" i="0" spc="0" strike="noStrike" sz="9800" u="none">
+        <a:defRPr sz="9800" b="0" i="0" u="none" strike="noStrike" cap="none" spc="0" baseline="0">
           <a:solidFill>
             <a:srgbClr val="D93E2B"/>
           </a:solidFill>
@@ -3139,7 +3247,7 @@
         <a:buFontTx/>
         <a:buNone/>
         <a:tabLst/>
-        <a:defRPr b="0" baseline="0" cap="none" i="0" spc="0" strike="noStrike" sz="9800" u="none">
+        <a:defRPr sz="9800" b="0" i="0" u="none" strike="noStrike" cap="none" spc="0" baseline="0">
           <a:solidFill>
             <a:srgbClr val="D93E2B"/>
           </a:solidFill>
@@ -3165,7 +3273,7 @@
         <a:buFontTx/>
         <a:buNone/>
         <a:tabLst/>
-        <a:defRPr b="0" baseline="0" cap="none" i="0" spc="0" strike="noStrike" sz="9800" u="none">
+        <a:defRPr sz="9800" b="0" i="0" u="none" strike="noStrike" cap="none" spc="0" baseline="0">
           <a:solidFill>
             <a:srgbClr val="D93E2B"/>
           </a:solidFill>
@@ -3191,7 +3299,7 @@
         <a:buFontTx/>
         <a:buNone/>
         <a:tabLst/>
-        <a:defRPr b="0" baseline="0" cap="none" i="0" spc="0" strike="noStrike" sz="9800" u="none">
+        <a:defRPr sz="9800" b="0" i="0" u="none" strike="noStrike" cap="none" spc="0" baseline="0">
           <a:solidFill>
             <a:srgbClr val="D93E2B"/>
           </a:solidFill>
@@ -3217,7 +3325,7 @@
         <a:buFontTx/>
         <a:buNone/>
         <a:tabLst/>
-        <a:defRPr b="0" baseline="0" cap="none" i="0" spc="0" strike="noStrike" sz="9800" u="none">
+        <a:defRPr sz="9800" b="0" i="0" u="none" strike="noStrike" cap="none" spc="0" baseline="0">
           <a:solidFill>
             <a:srgbClr val="D93E2B"/>
           </a:solidFill>
@@ -3247,7 +3355,7 @@
         <a:buFont typeface="Zapf Dingbats"/>
         <a:buChar char="❖"/>
         <a:tabLst/>
-        <a:defRPr b="0" baseline="0" cap="none" i="0" spc="0" strike="noStrike" sz="5000" u="none">
+        <a:defRPr sz="5000" b="0" i="0" u="none" strike="noStrike" cap="none" spc="0" baseline="0">
           <a:solidFill>
             <a:srgbClr val="414141"/>
           </a:solidFill>
@@ -3275,7 +3383,7 @@
         <a:buFont typeface="Zapf Dingbats"/>
         <a:buChar char="❖"/>
         <a:tabLst/>
-        <a:defRPr b="0" baseline="0" cap="none" i="0" spc="0" strike="noStrike" sz="5000" u="none">
+        <a:defRPr sz="5000" b="0" i="0" u="none" strike="noStrike" cap="none" spc="0" baseline="0">
           <a:solidFill>
             <a:srgbClr val="414141"/>
           </a:solidFill>
@@ -3303,7 +3411,7 @@
         <a:buFont typeface="Zapf Dingbats"/>
         <a:buChar char="❖"/>
         <a:tabLst/>
-        <a:defRPr b="0" baseline="0" cap="none" i="0" spc="0" strike="noStrike" sz="5000" u="none">
+        <a:defRPr sz="5000" b="0" i="0" u="none" strike="noStrike" cap="none" spc="0" baseline="0">
           <a:solidFill>
             <a:srgbClr val="414141"/>
           </a:solidFill>
@@ -3331,7 +3439,7 @@
         <a:buFont typeface="Zapf Dingbats"/>
         <a:buChar char="❖"/>
         <a:tabLst/>
-        <a:defRPr b="0" baseline="0" cap="none" i="0" spc="0" strike="noStrike" sz="5000" u="none">
+        <a:defRPr sz="5000" b="0" i="0" u="none" strike="noStrike" cap="none" spc="0" baseline="0">
           <a:solidFill>
             <a:srgbClr val="414141"/>
           </a:solidFill>
@@ -3359,7 +3467,7 @@
         <a:buFont typeface="Zapf Dingbats"/>
         <a:buChar char="❖"/>
         <a:tabLst/>
-        <a:defRPr b="0" baseline="0" cap="none" i="0" spc="0" strike="noStrike" sz="5000" u="none">
+        <a:defRPr sz="5000" b="0" i="0" u="none" strike="noStrike" cap="none" spc="0" baseline="0">
           <a:solidFill>
             <a:srgbClr val="414141"/>
           </a:solidFill>
@@ -3387,7 +3495,7 @@
         <a:buFont typeface="Zapf Dingbats"/>
         <a:buChar char="❖"/>
         <a:tabLst/>
-        <a:defRPr b="0" baseline="0" cap="none" i="0" spc="0" strike="noStrike" sz="5000" u="none">
+        <a:defRPr sz="5000" b="0" i="0" u="none" strike="noStrike" cap="none" spc="0" baseline="0">
           <a:solidFill>
             <a:srgbClr val="414141"/>
           </a:solidFill>
@@ -3415,7 +3523,7 @@
         <a:buFont typeface="Zapf Dingbats"/>
         <a:buChar char="❖"/>
         <a:tabLst/>
-        <a:defRPr b="0" baseline="0" cap="none" i="0" spc="0" strike="noStrike" sz="5000" u="none">
+        <a:defRPr sz="5000" b="0" i="0" u="none" strike="noStrike" cap="none" spc="0" baseline="0">
           <a:solidFill>
             <a:srgbClr val="414141"/>
           </a:solidFill>
@@ -3443,7 +3551,7 @@
         <a:buFont typeface="Zapf Dingbats"/>
         <a:buChar char="❖"/>
         <a:tabLst/>
-        <a:defRPr b="0" baseline="0" cap="none" i="0" spc="0" strike="noStrike" sz="5000" u="none">
+        <a:defRPr sz="5000" b="0" i="0" u="none" strike="noStrike" cap="none" spc="0" baseline="0">
           <a:solidFill>
             <a:srgbClr val="414141"/>
           </a:solidFill>
@@ -3471,7 +3579,7 @@
         <a:buFont typeface="Zapf Dingbats"/>
         <a:buChar char="❖"/>
         <a:tabLst/>
-        <a:defRPr b="0" baseline="0" cap="none" i="0" spc="0" strike="noStrike" sz="5000" u="none">
+        <a:defRPr sz="5000" b="0" i="0" u="none" strike="noStrike" cap="none" spc="0" baseline="0">
           <a:solidFill>
             <a:srgbClr val="414141"/>
           </a:solidFill>
@@ -3499,7 +3607,7 @@
         <a:buFontTx/>
         <a:buNone/>
         <a:tabLst/>
-        <a:defRPr b="0" baseline="0" cap="none" i="0" spc="0" strike="noStrike" sz="2400" u="none">
+        <a:defRPr sz="2400" b="0" i="0" u="none" strike="noStrike" cap="none" spc="0" baseline="0">
           <a:solidFill>
             <a:schemeClr val="tx1"/>
           </a:solidFill>
@@ -3525,7 +3633,7 @@
         <a:buFontTx/>
         <a:buNone/>
         <a:tabLst/>
-        <a:defRPr b="0" baseline="0" cap="none" i="0" spc="0" strike="noStrike" sz="2400" u="none">
+        <a:defRPr sz="2400" b="0" i="0" u="none" strike="noStrike" cap="none" spc="0" baseline="0">
           <a:solidFill>
             <a:schemeClr val="tx1"/>
           </a:solidFill>
@@ -3551,7 +3659,7 @@
         <a:buFontTx/>
         <a:buNone/>
         <a:tabLst/>
-        <a:defRPr b="0" baseline="0" cap="none" i="0" spc="0" strike="noStrike" sz="2400" u="none">
+        <a:defRPr sz="2400" b="0" i="0" u="none" strike="noStrike" cap="none" spc="0" baseline="0">
           <a:solidFill>
             <a:schemeClr val="tx1"/>
           </a:solidFill>
@@ -3577,7 +3685,7 @@
         <a:buFontTx/>
         <a:buNone/>
         <a:tabLst/>
-        <a:defRPr b="0" baseline="0" cap="none" i="0" spc="0" strike="noStrike" sz="2400" u="none">
+        <a:defRPr sz="2400" b="0" i="0" u="none" strike="noStrike" cap="none" spc="0" baseline="0">
           <a:solidFill>
             <a:schemeClr val="tx1"/>
           </a:solidFill>
@@ -3603,7 +3711,7 @@
         <a:buFontTx/>
         <a:buNone/>
         <a:tabLst/>
-        <a:defRPr b="0" baseline="0" cap="none" i="0" spc="0" strike="noStrike" sz="2400" u="none">
+        <a:defRPr sz="2400" b="0" i="0" u="none" strike="noStrike" cap="none" spc="0" baseline="0">
           <a:solidFill>
             <a:schemeClr val="tx1"/>
           </a:solidFill>
@@ -3629,7 +3737,7 @@
         <a:buFontTx/>
         <a:buNone/>
         <a:tabLst/>
-        <a:defRPr b="0" baseline="0" cap="none" i="0" spc="0" strike="noStrike" sz="2400" u="none">
+        <a:defRPr sz="2400" b="0" i="0" u="none" strike="noStrike" cap="none" spc="0" baseline="0">
           <a:solidFill>
             <a:schemeClr val="tx1"/>
           </a:solidFill>
@@ -3655,7 +3763,7 @@
         <a:buFontTx/>
         <a:buNone/>
         <a:tabLst/>
-        <a:defRPr b="0" baseline="0" cap="none" i="0" spc="0" strike="noStrike" sz="2400" u="none">
+        <a:defRPr sz="2400" b="0" i="0" u="none" strike="noStrike" cap="none" spc="0" baseline="0">
           <a:solidFill>
             <a:schemeClr val="tx1"/>
           </a:solidFill>
@@ -3681,7 +3789,7 @@
         <a:buFontTx/>
         <a:buNone/>
         <a:tabLst/>
-        <a:defRPr b="0" baseline="0" cap="none" i="0" spc="0" strike="noStrike" sz="2400" u="none">
+        <a:defRPr sz="2400" b="0" i="0" u="none" strike="noStrike" cap="none" spc="0" baseline="0">
           <a:solidFill>
             <a:schemeClr val="tx1"/>
           </a:solidFill>
@@ -3707,7 +3815,7 @@
         <a:buFontTx/>
         <a:buNone/>
         <a:tabLst/>
-        <a:defRPr b="0" baseline="0" cap="none" i="0" spc="0" strike="noStrike" sz="2400" u="none">
+        <a:defRPr sz="2400" b="0" i="0" u="none" strike="noStrike" cap="none" spc="0" baseline="0">
           <a:solidFill>
             <a:schemeClr val="tx1"/>
           </a:solidFill>
@@ -3724,7 +3832,7 @@
 </file>
 
 <file path=ppt/slides/slide1.xml><?xml version="1.0" encoding="utf-8"?>
-<p:sld xmlns:a="http://schemas.openxmlformats.org/drawingml/2006/main" xmlns:r="http://schemas.openxmlformats.org/officeDocument/2006/relationships" xmlns:p="http://schemas.openxmlformats.org/presentationml/2006/main" xmlns:m="http://schemas.openxmlformats.org/officeDocument/2006/math" xmlns:a14="http://schemas.microsoft.com/office/drawing/2010/main" showMasterSp="1" showMasterPhAnim="1">
+<p:sld xmlns:a="http://schemas.openxmlformats.org/drawingml/2006/main" xmlns:r="http://schemas.openxmlformats.org/officeDocument/2006/relationships" xmlns:p="http://schemas.openxmlformats.org/presentationml/2006/main">
   <p:cSld>
     <p:spTree>
       <p:nvGrpSpPr>
@@ -3743,14 +3851,16 @@
       <p:sp>
         <p:nvSpPr>
           <p:cNvPr id="137" name="MUSIC PLAYER"/>
-          <p:cNvSpPr txBox="1"/>
+          <p:cNvSpPr txBox="1">
+            <a:spLocks noGrp="1"/>
+          </p:cNvSpPr>
           <p:nvPr>
             <p:ph type="ctrTitle"/>
           </p:nvPr>
         </p:nvSpPr>
         <p:spPr>
           <a:xfrm>
-            <a:off x="1331648" y="2259098"/>
+            <a:off x="1507494" y="5055052"/>
             <a:ext cx="13500101" cy="4848681"/>
           </a:xfrm>
           <a:prstGeom prst="rect">
@@ -3765,8 +3875,8 @@
             </a:lvl1pPr>
           </a:lstStyle>
           <a:p>
-            <a:pPr/>
-            <a:r>
+            <a:r>
+              <a:rPr dirty="0"/>
               <a:t>MUSIC PLAYER</a:t>
             </a:r>
           </a:p>
@@ -3775,14 +3885,16 @@
       <p:sp>
         <p:nvSpPr>
           <p:cNvPr id="138" name="BY EPHREM SHIFERAW EWNETU…"/>
-          <p:cNvSpPr txBox="1"/>
+          <p:cNvSpPr txBox="1">
+            <a:spLocks noGrp="1"/>
+          </p:cNvSpPr>
           <p:nvPr>
             <p:ph type="subTitle" sz="quarter" idx="1"/>
           </p:nvPr>
         </p:nvSpPr>
         <p:spPr>
           <a:xfrm>
-            <a:off x="12404123" y="10009006"/>
+            <a:off x="15411092" y="5982129"/>
             <a:ext cx="7950201" cy="3340101"/>
           </a:xfrm>
           <a:prstGeom prst="rect">
@@ -3793,30 +3905,100 @@
           <a:bodyPr/>
           <a:lstStyle/>
           <a:p>
-            <a:pPr/>
-            <a:r>
+            <a:r>
+              <a:rPr dirty="0"/>
               <a:t>BY EPHREM SHIFERAW EWNETU</a:t>
             </a:r>
           </a:p>
           <a:p>
-            <a:pPr/>
-            <a:r>
+            <a:r>
+              <a:rPr dirty="0"/>
               <a:t>       KAISA OTTERKLAU</a:t>
             </a:r>
           </a:p>
         </p:txBody>
       </p:sp>
+      <p:pic>
+        <p:nvPicPr>
+          <p:cNvPr id="7" name="Picture 6" descr="Music player Icons - Download 1729 Free Music player icons here">
+            <a:extLst>
+              <a:ext uri="{FF2B5EF4-FFF2-40B4-BE49-F238E27FC236}">
+                <a16:creationId xmlns:a16="http://schemas.microsoft.com/office/drawing/2014/main" id="{165D891F-2456-4BA7-B17F-7D73FCE2F650}"/>
+              </a:ext>
+            </a:extLst>
+          </p:cNvPr>
+          <p:cNvPicPr>
+            <a:picLocks noChangeAspect="1" noChangeArrowheads="1"/>
+          </p:cNvPicPr>
+          <p:nvPr/>
+        </p:nvPicPr>
+        <p:blipFill>
+          <a:blip r:embed="rId2">
+            <a:extLst>
+              <a:ext uri="{28A0092B-C50C-407E-A947-70E740481C1C}">
+                <a14:useLocalDpi xmlns:a14="http://schemas.microsoft.com/office/drawing/2010/main" val="0"/>
+              </a:ext>
+            </a:extLst>
+          </a:blip>
+          <a:srcRect/>
+          <a:stretch>
+            <a:fillRect/>
+          </a:stretch>
+        </p:blipFill>
+        <p:spPr bwMode="auto">
+          <a:xfrm>
+            <a:off x="11236568" y="5982129"/>
+            <a:ext cx="3035921" cy="3035921"/>
+          </a:xfrm>
+          <a:prstGeom prst="ellipse">
+            <a:avLst/>
+          </a:prstGeom>
+          <a:ln w="63500" cap="rnd">
+            <a:solidFill>
+              <a:srgbClr val="333333"/>
+            </a:solidFill>
+          </a:ln>
+          <a:effectLst>
+            <a:outerShdw blurRad="381000" dist="292100" dir="5400000" sx="-80000" sy="-18000" rotWithShape="0">
+              <a:srgbClr val="000000">
+                <a:alpha val="22000"/>
+              </a:srgbClr>
+            </a:outerShdw>
+          </a:effectLst>
+          <a:scene3d>
+            <a:camera prst="orthographicFront"/>
+            <a:lightRig rig="contrasting" dir="t">
+              <a:rot lat="0" lon="0" rev="3000000"/>
+            </a:lightRig>
+          </a:scene3d>
+          <a:sp3d contourW="7620">
+            <a:bevelT w="95250" h="31750"/>
+            <a:contourClr>
+              <a:srgbClr val="333333"/>
+            </a:contourClr>
+          </a:sp3d>
+          <a:extLst>
+            <a:ext uri="{909E8E84-426E-40DD-AFC4-6F175D3DCCD1}">
+              <a14:hiddenFill xmlns:a14="http://schemas.microsoft.com/office/drawing/2010/main">
+                <a:solidFill>
+                  <a:srgbClr val="FFFFFF"/>
+                </a:solidFill>
+              </a14:hiddenFill>
+            </a:ext>
+          </a:extLst>
+        </p:spPr>
+      </p:pic>
     </p:spTree>
   </p:cSld>
   <p:clrMapOvr>
     <a:masterClrMapping/>
   </p:clrMapOvr>
-  <p:transition xmlns:p14="http://schemas.microsoft.com/office/powerpoint/2010/main" spd="med" advClick="1"/>
+  <p:transition spd="med"/>
 </p:sld>
 </file>
 
 <file path=ppt/slides/slide2.xml><?xml version="1.0" encoding="utf-8"?>
-<p:sld xmlns:a="http://schemas.openxmlformats.org/drawingml/2006/main" xmlns:r="http://schemas.openxmlformats.org/officeDocument/2006/relationships" xmlns:p="http://schemas.openxmlformats.org/presentationml/2006/main" xmlns:m="http://schemas.openxmlformats.org/officeDocument/2006/math" xmlns:a14="http://schemas.microsoft.com/office/drawing/2010/main" showMasterSp="1" showMasterPhAnim="1">
+<p:sld xmlns:a="http://schemas.openxmlformats.org/drawingml/2006/main" xmlns:r="http://schemas.openxmlformats.org/officeDocument/2006/relationships" xmlns:p="http://schemas.openxmlformats.org/presentationml/2006/main">
   <p:cSld>
     <p:spTree>
       <p:nvGrpSpPr>
@@ -3832,38 +4014,12 @@
           <a:chExt cx="0" cy="0"/>
         </a:xfrm>
       </p:grpSpPr>
-      <p:pic>
-        <p:nvPicPr>
-          <p:cNvPr id="140" name="Black and white photo of the underside of a bridge going over a river and against the sky " descr="Black and white photo of the underside of a bridge going over a river and against the sky "/>
-          <p:cNvPicPr>
-            <a:picLocks noChangeAspect="0"/>
-          </p:cNvPicPr>
-          <p:nvPr>
-            <p:ph type="pic" idx="21"/>
-          </p:nvPr>
-        </p:nvPicPr>
-        <p:blipFill>
-          <a:blip r:embed="rId2">
-            <a:extLst/>
-          </a:blip>
-          <a:stretch>
-            <a:fillRect/>
-          </a:stretch>
-        </p:blipFill>
-        <p:spPr>
-          <a:xfrm>
-            <a:off x="12509500" y="3647498"/>
-            <a:ext cx="11049000" cy="9258301"/>
-          </a:xfrm>
-          <a:prstGeom prst="rect">
-            <a:avLst/>
-          </a:prstGeom>
-        </p:spPr>
-      </p:pic>
       <p:sp>
         <p:nvSpPr>
           <p:cNvPr id="141" name="music player"/>
-          <p:cNvSpPr txBox="1"/>
+          <p:cNvSpPr txBox="1">
+            <a:spLocks noGrp="1"/>
+          </p:cNvSpPr>
           <p:nvPr>
             <p:ph type="title"/>
           </p:nvPr>
@@ -3877,9 +4033,14 @@
           <a:bodyPr/>
           <a:lstStyle/>
           <a:p>
-            <a:pPr/>
-            <a:r>
-              <a:t> music player</a:t>
+            <a:pPr algn="l"/>
+            <a:r>
+              <a:rPr lang="en-US" dirty="0"/>
+              <a:t>          M</a:t>
+            </a:r>
+            <a:r>
+              <a:rPr dirty="0"/>
+              <a:t>usic player</a:t>
             </a:r>
           </a:p>
         </p:txBody>
@@ -3887,7 +4048,9 @@
       <p:sp>
         <p:nvSpPr>
           <p:cNvPr id="142" name="The days of physical music is long gone with cd and radio players.…"/>
-          <p:cNvSpPr txBox="1"/>
+          <p:cNvSpPr txBox="1">
+            <a:spLocks noGrp="1"/>
+          </p:cNvSpPr>
           <p:nvPr>
             <p:ph type="body" sz="half" idx="1"/>
           </p:nvPr>
@@ -3901,266 +4064,85 @@
           <a:bodyPr/>
           <a:lstStyle/>
           <a:p>
-            <a:pPr/>
-            <a:r>
-              <a:t>The days of physical music is long gone with cd and radio players.</a:t>
-            </a:r>
-          </a:p>
-          <a:p>
-            <a:pPr/>
-            <a:r>
-              <a:t>Digitalisation is increasing that brings more people online</a:t>
-            </a:r>
-          </a:p>
-          <a:p>
-            <a:pPr/>
-          </a:p>
-          <a:p>
-            <a:pPr/>
-            <a:r>
+            <a:r>
+              <a:rPr dirty="0"/>
+              <a:t>The days of physical music is long gone with </a:t>
+            </a:r>
+            <a:r>
+              <a:rPr lang="en-US" dirty="0"/>
+              <a:t>CD</a:t>
+            </a:r>
+            <a:r>
+              <a:rPr dirty="0"/>
+              <a:t> and radio players.</a:t>
+            </a:r>
+          </a:p>
+          <a:p>
+            <a:r>
+              <a:rPr dirty="0"/>
+              <a:t>Digitalization is increasing that brings more people online</a:t>
+            </a:r>
+            <a:endParaRPr lang="en-US" dirty="0"/>
+          </a:p>
+          <a:p>
+            <a:r>
+              <a:rPr lang="en-US" dirty="0"/>
+              <a:t>Curate the specific selection of media in a very customized manner. </a:t>
+            </a:r>
+            <a:endParaRPr dirty="0"/>
+          </a:p>
+          <a:p>
+            <a:r>
+              <a:rPr dirty="0"/>
               <a:t>The market has proved itself for profitability </a:t>
-            </a:r>
-          </a:p>
-          <a:p>
-            <a:pPr marL="0" indent="0">
-              <a:buClrTx/>
-              <a:buSzTx/>
-              <a:buFontTx/>
-              <a:buNone/>
-            </a:pPr>
-            <a:r>
-              <a:t>      curate the specific selection of media in a      very customized manner. </a:t>
             </a:r>
           </a:p>
         </p:txBody>
       </p:sp>
-      <p:sp>
-        <p:nvSpPr>
-          <p:cNvPr id="143" name="Key"/>
-          <p:cNvSpPr/>
+      <p:pic>
+        <p:nvPicPr>
+          <p:cNvPr id="10" name="Picture 9" descr="Music sheet">
+            <a:extLst>
+              <a:ext uri="{FF2B5EF4-FFF2-40B4-BE49-F238E27FC236}">
+                <a16:creationId xmlns:a16="http://schemas.microsoft.com/office/drawing/2014/main" id="{E90C37BE-C4C8-4C8A-B87C-D6D16D73ADDD}"/>
+              </a:ext>
+            </a:extLst>
+          </p:cNvPr>
+          <p:cNvPicPr>
+            <a:picLocks noChangeAspect="1"/>
+          </p:cNvPicPr>
           <p:nvPr/>
-        </p:nvSpPr>
+        </p:nvPicPr>
+        <p:blipFill rotWithShape="1">
+          <a:blip r:embed="rId2"/>
+          <a:srcRect r="54447" b="-1"/>
+          <a:stretch/>
+        </p:blipFill>
         <p:spPr>
           <a:xfrm>
-            <a:off x="1183284" y="10669663"/>
-            <a:ext cx="371921" cy="835483"/>
+            <a:off x="15023651" y="0"/>
+            <a:ext cx="9360350" cy="13716000"/>
           </a:xfrm>
-          <a:custGeom>
-            <a:avLst/>
-            <a:gdLst/>
-            <a:ahLst/>
-            <a:cxnLst>
-              <a:cxn ang="0">
-                <a:pos x="wd2" y="hd2"/>
-              </a:cxn>
-              <a:cxn ang="5400000">
-                <a:pos x="wd2" y="hd2"/>
-              </a:cxn>
-              <a:cxn ang="10800000">
-                <a:pos x="wd2" y="hd2"/>
-              </a:cxn>
-              <a:cxn ang="16200000">
-                <a:pos x="wd2" y="hd2"/>
-              </a:cxn>
-            </a:cxnLst>
-            <a:rect l="0" t="0" r="r" b="b"/>
-            <a:pathLst>
-              <a:path w="21600" h="21600" fill="norm" stroke="1" extrusionOk="0">
-                <a:moveTo>
-                  <a:pt x="4807" y="0"/>
-                </a:moveTo>
-                <a:cubicBezTo>
-                  <a:pt x="4325" y="0"/>
-                  <a:pt x="3935" y="174"/>
-                  <a:pt x="3935" y="388"/>
-                </a:cubicBezTo>
-                <a:lnTo>
-                  <a:pt x="3935" y="1497"/>
-                </a:lnTo>
-                <a:lnTo>
-                  <a:pt x="1183" y="1497"/>
-                </a:lnTo>
-                <a:cubicBezTo>
-                  <a:pt x="530" y="1497"/>
-                  <a:pt x="0" y="1733"/>
-                  <a:pt x="0" y="2023"/>
-                </a:cubicBezTo>
-                <a:lnTo>
-                  <a:pt x="0" y="7268"/>
-                </a:lnTo>
-                <a:cubicBezTo>
-                  <a:pt x="0" y="7559"/>
-                  <a:pt x="530" y="7795"/>
-                  <a:pt x="1183" y="7795"/>
-                </a:cubicBezTo>
-                <a:lnTo>
-                  <a:pt x="3935" y="7795"/>
-                </a:lnTo>
-                <a:lnTo>
-                  <a:pt x="3935" y="8814"/>
-                </a:lnTo>
-                <a:lnTo>
-                  <a:pt x="6027" y="8814"/>
-                </a:lnTo>
-                <a:lnTo>
-                  <a:pt x="6027" y="10112"/>
-                </a:lnTo>
-                <a:lnTo>
-                  <a:pt x="7362" y="10112"/>
-                </a:lnTo>
-                <a:lnTo>
-                  <a:pt x="7362" y="20420"/>
-                </a:lnTo>
-                <a:lnTo>
-                  <a:pt x="7366" y="20420"/>
-                </a:lnTo>
-                <a:lnTo>
-                  <a:pt x="10800" y="21600"/>
-                </a:lnTo>
-                <a:lnTo>
-                  <a:pt x="12930" y="20420"/>
-                </a:lnTo>
-                <a:lnTo>
-                  <a:pt x="14234" y="19712"/>
-                </a:lnTo>
-                <a:lnTo>
-                  <a:pt x="12930" y="19092"/>
-                </a:lnTo>
-                <a:lnTo>
-                  <a:pt x="12930" y="18588"/>
-                </a:lnTo>
-                <a:lnTo>
-                  <a:pt x="14272" y="17726"/>
-                </a:lnTo>
-                <a:lnTo>
-                  <a:pt x="12938" y="16890"/>
-                </a:lnTo>
-                <a:lnTo>
-                  <a:pt x="12938" y="16332"/>
-                </a:lnTo>
-                <a:lnTo>
-                  <a:pt x="14272" y="15473"/>
-                </a:lnTo>
-                <a:lnTo>
-                  <a:pt x="12934" y="14636"/>
-                </a:lnTo>
-                <a:lnTo>
-                  <a:pt x="12934" y="14081"/>
-                </a:lnTo>
-                <a:lnTo>
-                  <a:pt x="14272" y="13220"/>
-                </a:lnTo>
-                <a:lnTo>
-                  <a:pt x="12934" y="12381"/>
-                </a:lnTo>
-                <a:lnTo>
-                  <a:pt x="12930" y="11789"/>
-                </a:lnTo>
-                <a:lnTo>
-                  <a:pt x="14432" y="10665"/>
-                </a:lnTo>
-                <a:lnTo>
-                  <a:pt x="14432" y="10112"/>
-                </a:lnTo>
-                <a:lnTo>
-                  <a:pt x="15717" y="10112"/>
-                </a:lnTo>
-                <a:lnTo>
-                  <a:pt x="15717" y="8814"/>
-                </a:lnTo>
-                <a:lnTo>
-                  <a:pt x="17665" y="8814"/>
-                </a:lnTo>
-                <a:lnTo>
-                  <a:pt x="17665" y="7795"/>
-                </a:lnTo>
-                <a:lnTo>
-                  <a:pt x="20417" y="7795"/>
-                </a:lnTo>
-                <a:cubicBezTo>
-                  <a:pt x="21070" y="7795"/>
-                  <a:pt x="21600" y="7559"/>
-                  <a:pt x="21600" y="7268"/>
-                </a:cubicBezTo>
-                <a:lnTo>
-                  <a:pt x="21600" y="2023"/>
-                </a:lnTo>
-                <a:cubicBezTo>
-                  <a:pt x="21600" y="1733"/>
-                  <a:pt x="21070" y="1497"/>
-                  <a:pt x="20417" y="1497"/>
-                </a:cubicBezTo>
-                <a:lnTo>
-                  <a:pt x="17665" y="1497"/>
-                </a:lnTo>
-                <a:lnTo>
-                  <a:pt x="17665" y="388"/>
-                </a:lnTo>
-                <a:cubicBezTo>
-                  <a:pt x="17665" y="174"/>
-                  <a:pt x="17275" y="0"/>
-                  <a:pt x="16793" y="0"/>
-                </a:cubicBezTo>
-                <a:lnTo>
-                  <a:pt x="4807" y="0"/>
-                </a:lnTo>
-                <a:close/>
-                <a:moveTo>
-                  <a:pt x="8567" y="835"/>
-                </a:moveTo>
-                <a:lnTo>
-                  <a:pt x="13033" y="835"/>
-                </a:lnTo>
-                <a:lnTo>
-                  <a:pt x="13033" y="1497"/>
-                </a:lnTo>
-                <a:lnTo>
-                  <a:pt x="8567" y="1497"/>
-                </a:lnTo>
-                <a:lnTo>
-                  <a:pt x="8567" y="835"/>
-                </a:lnTo>
-                <a:close/>
-              </a:path>
-            </a:pathLst>
-          </a:custGeom>
-          <a:blipFill>
-            <a:blip r:embed="rId3"/>
-          </a:blipFill>
-          <a:ln w="12700">
-            <a:miter lim="400000"/>
+          <a:prstGeom prst="rect">
+            <a:avLst/>
+          </a:prstGeom>
+          <a:noFill/>
+          <a:ln w="9525">
+            <a:round/>
           </a:ln>
         </p:spPr>
-        <p:txBody>
-          <a:bodyPr lIns="50800" tIns="50800" rIns="50800" bIns="50800" anchor="ctr"/>
-          <a:lstStyle/>
-          <a:p>
-            <a:pPr>
-              <a:defRPr sz="4400">
-                <a:solidFill>
-                  <a:srgbClr val="FFFFFF"/>
-                </a:solidFill>
-                <a:effectLst>
-                  <a:outerShdw sx="100000" sy="100000" kx="0" ky="0" algn="b" rotWithShape="0" blurRad="25400" dist="33948" dir="2700000">
-                    <a:srgbClr val="3B3936"/>
-                  </a:outerShdw>
-                </a:effectLst>
-              </a:defRPr>
-            </a:pPr>
-          </a:p>
-        </p:txBody>
-      </p:sp>
+      </p:pic>
     </p:spTree>
   </p:cSld>
   <p:clrMapOvr>
     <a:masterClrMapping/>
   </p:clrMapOvr>
-  <p:transition xmlns:p14="http://schemas.microsoft.com/office/powerpoint/2010/main" spd="med" advClick="1"/>
+  <p:transition spd="med"/>
 </p:sld>
 </file>
 
 <file path=ppt/slides/slide3.xml><?xml version="1.0" encoding="utf-8"?>
-<p:sld xmlns:a="http://schemas.openxmlformats.org/drawingml/2006/main" xmlns:r="http://schemas.openxmlformats.org/officeDocument/2006/relationships" xmlns:p="http://schemas.openxmlformats.org/presentationml/2006/main" xmlns:m="http://schemas.openxmlformats.org/officeDocument/2006/math" xmlns:a14="http://schemas.microsoft.com/office/drawing/2010/main" showMasterSp="1" showMasterPhAnim="1">
+<p:sld xmlns:a="http://schemas.openxmlformats.org/drawingml/2006/main" xmlns:r="http://schemas.openxmlformats.org/officeDocument/2006/relationships" xmlns:p="http://schemas.openxmlformats.org/presentationml/2006/main">
   <p:cSld>
     <p:spTree>
       <p:nvGrpSpPr>
@@ -4176,52 +4158,28 @@
           <a:chExt cx="0" cy="0"/>
         </a:xfrm>
       </p:grpSpPr>
-      <p:pic>
-        <p:nvPicPr>
-          <p:cNvPr id="145" name="Black and white photo of the underside of a bridge going over a river and against the sky " descr="Black and white photo of the underside of a bridge going over a river and against the sky "/>
-          <p:cNvPicPr>
-            <a:picLocks noChangeAspect="0"/>
-          </p:cNvPicPr>
-          <p:nvPr>
-            <p:ph type="pic" idx="21"/>
-          </p:nvPr>
-        </p:nvPicPr>
-        <p:blipFill>
-          <a:blip r:embed="rId2">
-            <a:extLst/>
-          </a:blip>
-          <a:stretch>
-            <a:fillRect/>
-          </a:stretch>
-        </p:blipFill>
-        <p:spPr>
-          <a:xfrm>
-            <a:off x="12509500" y="3647498"/>
-            <a:ext cx="11049000" cy="9258301"/>
-          </a:xfrm>
-          <a:prstGeom prst="rect">
-            <a:avLst/>
-          </a:prstGeom>
-        </p:spPr>
-      </p:pic>
       <p:sp>
         <p:nvSpPr>
           <p:cNvPr id="146" name="Features"/>
-          <p:cNvSpPr txBox="1"/>
+          <p:cNvSpPr txBox="1">
+            <a:spLocks noGrp="1"/>
+          </p:cNvSpPr>
           <p:nvPr>
             <p:ph type="title"/>
           </p:nvPr>
         </p:nvSpPr>
         <p:spPr>
-          <a:prstGeom prst="rect">
-            <a:avLst/>
-          </a:prstGeom>
+          <a:xfrm>
+            <a:off x="952500" y="1143000"/>
+            <a:ext cx="22479000" cy="1663700"/>
+          </a:xfrm>
         </p:spPr>
         <p:txBody>
-          <a:bodyPr/>
+          <a:bodyPr anchor="ctr">
+            <a:normAutofit/>
+          </a:bodyPr>
           <a:lstStyle/>
           <a:p>
-            <a:pPr/>
             <a:r>
               <a:t>Features </a:t>
             </a:r>
@@ -4231,68 +4189,128 @@
       <p:sp>
         <p:nvSpPr>
           <p:cNvPr id="147" name="Make playlist…"/>
-          <p:cNvSpPr txBox="1"/>
+          <p:cNvSpPr txBox="1">
+            <a:spLocks noGrp="1"/>
+          </p:cNvSpPr>
           <p:nvPr>
             <p:ph type="body" sz="half" idx="1"/>
           </p:nvPr>
         </p:nvSpPr>
         <p:spPr>
-          <a:prstGeom prst="rect">
-            <a:avLst/>
-          </a:prstGeom>
+          <a:xfrm>
+            <a:off x="952500" y="3797300"/>
+            <a:ext cx="10909300" cy="8928100"/>
+          </a:xfrm>
         </p:spPr>
         <p:txBody>
-          <a:bodyPr/>
+          <a:bodyPr anchor="ctr">
+            <a:normAutofit/>
+          </a:bodyPr>
           <a:lstStyle/>
           <a:p>
-            <a:pPr/>
-            <a:r>
+            <a:r>
+              <a:rPr dirty="0"/>
               <a:t>Make playlist </a:t>
             </a:r>
           </a:p>
           <a:p>
-            <a:pPr/>
-            <a:r>
+            <a:r>
+              <a:rPr dirty="0"/>
               <a:t>Delete playlist</a:t>
             </a:r>
           </a:p>
           <a:p>
-            <a:pPr/>
-            <a:r>
+            <a:r>
+              <a:rPr dirty="0"/>
               <a:t>Add songs to playlist</a:t>
             </a:r>
           </a:p>
           <a:p>
-            <a:pPr/>
-            <a:r>
+            <a:r>
+              <a:rPr dirty="0"/>
               <a:t>Delete songs from playlist</a:t>
             </a:r>
           </a:p>
           <a:p>
-            <a:pPr/>
-            <a:r>
-              <a:t>Play, Pause,Forward and Rewind</a:t>
-            </a:r>
-          </a:p>
-          <a:p>
-            <a:pPr/>
-            <a:r>
+            <a:r>
+              <a:rPr dirty="0"/>
+              <a:t>Play, Pause,</a:t>
+            </a:r>
+            <a:r>
+              <a:rPr lang="en-US" dirty="0"/>
+              <a:t> </a:t>
+            </a:r>
+            <a:r>
+              <a:rPr dirty="0"/>
+              <a:t>Forward and Rewind</a:t>
+            </a:r>
+          </a:p>
+          <a:p>
+            <a:r>
+              <a:rPr dirty="0"/>
               <a:t>Alert message.</a:t>
             </a:r>
           </a:p>
         </p:txBody>
       </p:sp>
+      <p:pic>
+        <p:nvPicPr>
+          <p:cNvPr id="9" name="Picture 2" descr="Music Player Icons Png, Transparent Png - kindpng">
+            <a:extLst>
+              <a:ext uri="{FF2B5EF4-FFF2-40B4-BE49-F238E27FC236}">
+                <a16:creationId xmlns:a16="http://schemas.microsoft.com/office/drawing/2014/main" id="{D85A87AC-9351-41E9-B42C-B8090666964D}"/>
+              </a:ext>
+            </a:extLst>
+          </p:cNvPr>
+          <p:cNvPicPr>
+            <a:picLocks noChangeAspect="1" noChangeArrowheads="1"/>
+          </p:cNvPicPr>
+          <p:nvPr/>
+        </p:nvPicPr>
+        <p:blipFill>
+          <a:blip r:embed="rId2">
+            <a:extLst>
+              <a:ext uri="{28A0092B-C50C-407E-A947-70E740481C1C}">
+                <a14:useLocalDpi xmlns:a14="http://schemas.microsoft.com/office/drawing/2010/main" val="0"/>
+              </a:ext>
+            </a:extLst>
+          </a:blip>
+          <a:srcRect/>
+          <a:stretch>
+            <a:fillRect/>
+          </a:stretch>
+        </p:blipFill>
+        <p:spPr bwMode="auto">
+          <a:xfrm>
+            <a:off x="13389518" y="4572000"/>
+            <a:ext cx="10041982" cy="6830883"/>
+          </a:xfrm>
+          <a:prstGeom prst="rect">
+            <a:avLst/>
+          </a:prstGeom>
+          <a:noFill/>
+          <a:extLst>
+            <a:ext uri="{909E8E84-426E-40DD-AFC4-6F175D3DCCD1}">
+              <a14:hiddenFill xmlns:a14="http://schemas.microsoft.com/office/drawing/2010/main">
+                <a:solidFill>
+                  <a:srgbClr val="FFFFFF"/>
+                </a:solidFill>
+              </a14:hiddenFill>
+            </a:ext>
+          </a:extLst>
+        </p:spPr>
+      </p:pic>
     </p:spTree>
   </p:cSld>
   <p:clrMapOvr>
     <a:masterClrMapping/>
   </p:clrMapOvr>
-  <p:transition xmlns:p14="http://schemas.microsoft.com/office/powerpoint/2010/main" spd="med" advClick="1"/>
+  <p:transition spd="med"/>
 </p:sld>
 </file>
 
 <file path=ppt/slides/slide4.xml><?xml version="1.0" encoding="utf-8"?>
-<p:sld xmlns:a="http://schemas.openxmlformats.org/drawingml/2006/main" xmlns:r="http://schemas.openxmlformats.org/officeDocument/2006/relationships" xmlns:p="http://schemas.openxmlformats.org/presentationml/2006/main" xmlns:m="http://schemas.openxmlformats.org/officeDocument/2006/math" xmlns:a14="http://schemas.microsoft.com/office/drawing/2010/main" showMasterSp="1" showMasterPhAnim="1">
+<p:sld xmlns:a="http://schemas.openxmlformats.org/drawingml/2006/main" xmlns:r="http://schemas.openxmlformats.org/officeDocument/2006/relationships" xmlns:p="http://schemas.openxmlformats.org/presentationml/2006/main">
   <p:cSld>
     <p:spTree>
       <p:nvGrpSpPr>
@@ -4311,7 +4329,9 @@
       <p:sp>
         <p:nvSpPr>
           <p:cNvPr id="149" name="We have implemented:"/>
-          <p:cNvSpPr txBox="1"/>
+          <p:cNvSpPr txBox="1">
+            <a:spLocks noGrp="1"/>
+          </p:cNvSpPr>
           <p:nvPr>
             <p:ph type="title"/>
           </p:nvPr>
@@ -4325,7 +4345,6 @@
           <a:bodyPr/>
           <a:lstStyle/>
           <a:p>
-            <a:pPr/>
             <a:r>
               <a:t>We have implemented:</a:t>
             </a:r>
@@ -4335,7 +4354,9 @@
       <p:sp>
         <p:nvSpPr>
           <p:cNvPr id="150" name="Expo…"/>
-          <p:cNvSpPr txBox="1"/>
+          <p:cNvSpPr txBox="1">
+            <a:spLocks noGrp="1"/>
+          </p:cNvSpPr>
           <p:nvPr>
             <p:ph type="body" idx="1"/>
           </p:nvPr>
@@ -4469,16 +4490,14 @@
           <p:nvPr/>
         </p:nvPicPr>
         <p:blipFill>
-          <a:blip r:embed="rId2">
-            <a:extLst/>
-          </a:blip>
+          <a:blip r:embed="rId2"/>
           <a:stretch>
             <a:fillRect/>
           </a:stretch>
         </p:blipFill>
         <p:spPr>
           <a:xfrm>
-            <a:off x="9985393" y="3138673"/>
+            <a:off x="9932468" y="3255160"/>
             <a:ext cx="5101372" cy="10024195"/>
           </a:xfrm>
           <a:prstGeom prst="rect">
@@ -4498,9 +4517,7 @@
           <p:nvPr/>
         </p:nvPicPr>
         <p:blipFill>
-          <a:blip r:embed="rId3">
-            <a:extLst/>
-          </a:blip>
+          <a:blip r:embed="rId3"/>
           <a:stretch>
             <a:fillRect/>
           </a:stretch>
@@ -4568,12 +4585,13 @@
                   <a:srgbClr val="FFFFFF"/>
                 </a:solidFill>
                 <a:effectLst>
-                  <a:outerShdw sx="100000" sy="100000" kx="0" ky="0" algn="b" rotWithShape="0" blurRad="25400" dist="33948" dir="2700000">
+                  <a:outerShdw blurRad="25400" dist="33948" dir="2700000" rotWithShape="0">
                     <a:srgbClr val="3B3936"/>
                   </a:outerShdw>
                 </a:effectLst>
               </a:defRPr>
             </a:pPr>
+            <a:endParaRPr/>
           </a:p>
         </p:txBody>
       </p:sp>
@@ -4582,12 +4600,12 @@
   <p:clrMapOvr>
     <a:masterClrMapping/>
   </p:clrMapOvr>
-  <p:transition xmlns:p14="http://schemas.microsoft.com/office/powerpoint/2010/main" spd="med" advClick="1"/>
+  <p:transition spd="med"/>
 </p:sld>
 </file>
 
 <file path=ppt/slides/slide5.xml><?xml version="1.0" encoding="utf-8"?>
-<p:sld xmlns:a="http://schemas.openxmlformats.org/drawingml/2006/main" xmlns:r="http://schemas.openxmlformats.org/officeDocument/2006/relationships" xmlns:p="http://schemas.openxmlformats.org/presentationml/2006/main" xmlns:m="http://schemas.openxmlformats.org/officeDocument/2006/math" xmlns:a14="http://schemas.microsoft.com/office/drawing/2010/main" showMasterSp="1" showMasterPhAnim="1">
+<p:sld xmlns:a="http://schemas.openxmlformats.org/drawingml/2006/main" xmlns:r="http://schemas.openxmlformats.org/officeDocument/2006/relationships" xmlns:p="http://schemas.openxmlformats.org/presentationml/2006/main">
   <p:cSld>
     <p:spTree>
       <p:nvGrpSpPr>
@@ -4612,9 +4630,7 @@
           <p:nvPr/>
         </p:nvPicPr>
         <p:blipFill>
-          <a:blip r:embed="rId2">
-            <a:extLst/>
-          </a:blip>
+          <a:blip r:embed="rId2"/>
           <a:stretch>
             <a:fillRect/>
           </a:stretch>
@@ -4641,9 +4657,7 @@
           <p:nvPr/>
         </p:nvPicPr>
         <p:blipFill>
-          <a:blip r:embed="rId3">
-            <a:extLst/>
-          </a:blip>
+          <a:blip r:embed="rId3"/>
           <a:stretch>
             <a:fillRect/>
           </a:stretch>
@@ -4670,9 +4684,7 @@
           <p:nvPr/>
         </p:nvPicPr>
         <p:blipFill>
-          <a:blip r:embed="rId4">
-            <a:extLst/>
-          </a:blip>
+          <a:blip r:embed="rId4"/>
           <a:stretch>
             <a:fillRect/>
           </a:stretch>
@@ -4695,12 +4707,12 @@
   <p:clrMapOvr>
     <a:masterClrMapping/>
   </p:clrMapOvr>
-  <p:transition xmlns:p14="http://schemas.microsoft.com/office/powerpoint/2010/main" spd="med" advClick="1"/>
+  <p:transition spd="med"/>
 </p:sld>
 </file>
 
 <file path=ppt/slides/slide6.xml><?xml version="1.0" encoding="utf-8"?>
-<p:sld xmlns:a="http://schemas.openxmlformats.org/drawingml/2006/main" xmlns:r="http://schemas.openxmlformats.org/officeDocument/2006/relationships" xmlns:p="http://schemas.openxmlformats.org/presentationml/2006/main" xmlns:m="http://schemas.openxmlformats.org/officeDocument/2006/math" xmlns:a14="http://schemas.microsoft.com/office/drawing/2010/main" showMasterSp="1" showMasterPhAnim="1">
+<p:sld xmlns:a="http://schemas.openxmlformats.org/drawingml/2006/main" xmlns:r="http://schemas.openxmlformats.org/officeDocument/2006/relationships" xmlns:p="http://schemas.openxmlformats.org/presentationml/2006/main">
   <p:cSld>
     <p:spTree>
       <p:nvGrpSpPr>
@@ -4719,7 +4731,9 @@
       <p:sp>
         <p:nvSpPr>
           <p:cNvPr id="159" name="By   Ephrem Shiferaw Ewnetu…"/>
-          <p:cNvSpPr txBox="1"/>
+          <p:cNvSpPr txBox="1">
+            <a:spLocks noGrp="1"/>
+          </p:cNvSpPr>
           <p:nvPr>
             <p:ph type="body" idx="21"/>
           </p:nvPr>
@@ -4737,13 +4751,11 @@
           <a:bodyPr/>
           <a:lstStyle/>
           <a:p>
-            <a:pPr/>
             <a:r>
               <a:t>             By   Ephrem Shiferaw Ewnetu</a:t>
             </a:r>
           </a:p>
           <a:p>
-            <a:pPr/>
             <a:r>
               <a:t>  Kaisa Otterklau</a:t>
             </a:r>
@@ -4753,7 +4765,9 @@
       <p:sp>
         <p:nvSpPr>
           <p:cNvPr id="160" name="Thank you!…"/>
-          <p:cNvSpPr txBox="1"/>
+          <p:cNvSpPr txBox="1">
+            <a:spLocks noGrp="1"/>
+          </p:cNvSpPr>
           <p:nvPr>
             <p:ph type="body" idx="22"/>
           </p:nvPr>
@@ -4771,13 +4785,11 @@
           <a:bodyPr/>
           <a:lstStyle/>
           <a:p>
-            <a:pPr/>
             <a:r>
               <a:t>Thank you!</a:t>
             </a:r>
           </a:p>
           <a:p>
-            <a:pPr/>
             <a:r>
               <a:t>Kiitos!</a:t>
             </a:r>
@@ -4789,12 +4801,12 @@
   <p:clrMapOvr>
     <a:masterClrMapping/>
   </p:clrMapOvr>
-  <p:transition xmlns:p14="http://schemas.microsoft.com/office/powerpoint/2010/main" spd="med" advClick="1"/>
+  <p:transition spd="med"/>
 </p:sld>
 </file>
 
 <file path=ppt/theme/theme1.xml><?xml version="1.0" encoding="utf-8"?>
-<a:theme xmlns:a="http://schemas.openxmlformats.org/drawingml/2006/main" xmlns:r="http://schemas.openxmlformats.org/officeDocument/2006/relationships" name="New_Template4">
+<a:theme xmlns:a="http://schemas.openxmlformats.org/drawingml/2006/main" name="New_Template4">
   <a:themeElements>
     <a:clrScheme name="New_Template4">
       <a:dk1>
@@ -4984,8 +4996,8 @@
     <a:spDef>
       <a:spPr>
         <a:blipFill rotWithShape="1">
-          <a:blip r:embed="rId1"/>
-          <a:srcRect l="0" t="0" r="0" b="0"/>
+          <a:blip xmlns:r="http://schemas.openxmlformats.org/officeDocument/2006/relationships" r:embed="rId1"/>
+          <a:srcRect/>
           <a:tile tx="0" ty="0" sx="100000" sy="100000" flip="none" algn="tl"/>
         </a:blipFill>
         <a:ln w="12700" cap="flat">
@@ -4995,7 +5007,7 @@
         <a:effectLst/>
         <a:sp3d/>
       </a:spPr>
-      <a:bodyPr rot="0" spcFirstLastPara="1" vertOverflow="overflow" horzOverflow="overflow" vert="horz" wrap="square" lIns="50800" tIns="50800" rIns="50800" bIns="50800" numCol="1" spcCol="38100" rtlCol="0" anchor="ctr" upright="0">
+      <a:bodyPr rot="0" spcFirstLastPara="1" vertOverflow="overflow" horzOverflow="overflow" vert="horz" wrap="square" lIns="50800" tIns="50800" rIns="50800" bIns="50800" numCol="1" spcCol="38100" rtlCol="0" anchor="ctr">
         <a:spAutoFit/>
       </a:bodyPr>
       <a:lstStyle>
@@ -5014,7 +5026,7 @@
           <a:buFontTx/>
           <a:buNone/>
           <a:tabLst/>
-          <a:defRPr b="0" baseline="0" cap="none" i="0" spc="0" strike="noStrike" sz="4400" u="none" kumimoji="0" normalizeH="0">
+          <a:defRPr kumimoji="0" sz="4400" b="0" i="0" u="none" strike="noStrike" cap="none" spc="0" normalizeH="0" baseline="0">
             <a:ln>
               <a:noFill/>
             </a:ln>
@@ -5022,7 +5034,7 @@
               <a:srgbClr val="FFFFFF"/>
             </a:solidFill>
             <a:effectLst>
-              <a:outerShdw sx="100000" sy="100000" kx="0" ky="0" algn="b" rotWithShape="0" blurRad="25400" dist="33948" dir="2700000">
+              <a:outerShdw blurRad="25400" dist="33948" dir="2700000" rotWithShape="0">
                 <a:srgbClr val="3B3936"/>
               </a:outerShdw>
             </a:effectLst>
@@ -5048,7 +5060,7 @@
           <a:buFontTx/>
           <a:buNone/>
           <a:tabLst/>
-          <a:defRPr b="0" baseline="0" cap="none" i="0" spc="0" strike="noStrike" sz="1800" u="none" kumimoji="0" normalizeH="0">
+          <a:defRPr kumimoji="0" sz="1800" b="0" i="0" u="none" strike="noStrike" cap="none" spc="0" normalizeH="0" baseline="0">
             <a:ln>
               <a:noFill/>
             </a:ln>
@@ -5074,7 +5086,7 @@
           <a:buFontTx/>
           <a:buNone/>
           <a:tabLst/>
-          <a:defRPr b="0" baseline="0" cap="none" i="0" spc="0" strike="noStrike" sz="1800" u="none" kumimoji="0" normalizeH="0">
+          <a:defRPr kumimoji="0" sz="1800" b="0" i="0" u="none" strike="noStrike" cap="none" spc="0" normalizeH="0" baseline="0">
             <a:ln>
               <a:noFill/>
             </a:ln>
@@ -5100,7 +5112,7 @@
           <a:buFontTx/>
           <a:buNone/>
           <a:tabLst/>
-          <a:defRPr b="0" baseline="0" cap="none" i="0" spc="0" strike="noStrike" sz="1800" u="none" kumimoji="0" normalizeH="0">
+          <a:defRPr kumimoji="0" sz="1800" b="0" i="0" u="none" strike="noStrike" cap="none" spc="0" normalizeH="0" baseline="0">
             <a:ln>
               <a:noFill/>
             </a:ln>
@@ -5126,7 +5138,7 @@
           <a:buFontTx/>
           <a:buNone/>
           <a:tabLst/>
-          <a:defRPr b="0" baseline="0" cap="none" i="0" spc="0" strike="noStrike" sz="1800" u="none" kumimoji="0" normalizeH="0">
+          <a:defRPr kumimoji="0" sz="1800" b="0" i="0" u="none" strike="noStrike" cap="none" spc="0" normalizeH="0" baseline="0">
             <a:ln>
               <a:noFill/>
             </a:ln>
@@ -5152,7 +5164,7 @@
           <a:buFontTx/>
           <a:buNone/>
           <a:tabLst/>
-          <a:defRPr b="0" baseline="0" cap="none" i="0" spc="0" strike="noStrike" sz="1800" u="none" kumimoji="0" normalizeH="0">
+          <a:defRPr kumimoji="0" sz="1800" b="0" i="0" u="none" strike="noStrike" cap="none" spc="0" normalizeH="0" baseline="0">
             <a:ln>
               <a:noFill/>
             </a:ln>
@@ -5178,7 +5190,7 @@
           <a:buFontTx/>
           <a:buNone/>
           <a:tabLst/>
-          <a:defRPr b="0" baseline="0" cap="none" i="0" spc="0" strike="noStrike" sz="1800" u="none" kumimoji="0" normalizeH="0">
+          <a:defRPr kumimoji="0" sz="1800" b="0" i="0" u="none" strike="noStrike" cap="none" spc="0" normalizeH="0" baseline="0">
             <a:ln>
               <a:noFill/>
             </a:ln>
@@ -5204,7 +5216,7 @@
           <a:buFontTx/>
           <a:buNone/>
           <a:tabLst/>
-          <a:defRPr b="0" baseline="0" cap="none" i="0" spc="0" strike="noStrike" sz="1800" u="none" kumimoji="0" normalizeH="0">
+          <a:defRPr kumimoji="0" sz="1800" b="0" i="0" u="none" strike="noStrike" cap="none" spc="0" normalizeH="0" baseline="0">
             <a:ln>
               <a:noFill/>
             </a:ln>
@@ -5230,7 +5242,7 @@
           <a:buFontTx/>
           <a:buNone/>
           <a:tabLst/>
-          <a:defRPr b="0" baseline="0" cap="none" i="0" spc="0" strike="noStrike" sz="1800" u="none" kumimoji="0" normalizeH="0">
+          <a:defRPr kumimoji="0" sz="1800" b="0" i="0" u="none" strike="noStrike" cap="none" spc="0" normalizeH="0" baseline="0">
             <a:ln>
               <a:noFill/>
             </a:ln>
@@ -5256,7 +5268,7 @@
           <a:buFontTx/>
           <a:buNone/>
           <a:tabLst/>
-          <a:defRPr b="0" baseline="0" cap="none" i="0" spc="0" strike="noStrike" sz="1800" u="none" kumimoji="0" normalizeH="0">
+          <a:defRPr kumimoji="0" sz="1800" b="0" i="0" u="none" strike="noStrike" cap="none" spc="0" normalizeH="0" baseline="0">
             <a:ln>
               <a:noFill/>
             </a:ln>
@@ -5269,9 +5281,15 @@
         </a:lvl9pPr>
       </a:lstStyle>
       <a:style>
-        <a:lnRef idx="0"/>
-        <a:fillRef idx="0"/>
-        <a:effectRef idx="0"/>
+        <a:lnRef idx="0">
+          <a:scrgbClr r="0" g="0" b="0"/>
+        </a:lnRef>
+        <a:fillRef idx="0">
+          <a:scrgbClr r="0" g="0" b="0"/>
+        </a:fillRef>
+        <a:effectRef idx="0">
+          <a:scrgbClr r="0" g="0" b="0"/>
+        </a:effectRef>
         <a:fontRef idx="none"/>
       </a:style>
     </a:spDef>
@@ -5288,7 +5306,7 @@
         <a:effectLst/>
         <a:sp3d/>
       </a:spPr>
-      <a:bodyPr rot="0" spcFirstLastPara="1" vertOverflow="overflow" horzOverflow="overflow" vert="horz" wrap="square" lIns="91439" tIns="45719" rIns="91439" bIns="45719" numCol="1" spcCol="38100" rtlCol="0" anchor="t" upright="0">
+      <a:bodyPr rot="0" spcFirstLastPara="1" vertOverflow="overflow" horzOverflow="overflow" vert="horz" wrap="square" lIns="91439" tIns="45719" rIns="91439" bIns="45719" numCol="1" spcCol="38100" rtlCol="0" anchor="t">
         <a:noAutofit/>
       </a:bodyPr>
       <a:lstStyle>
@@ -5307,7 +5325,7 @@
           <a:buFontTx/>
           <a:buNone/>
           <a:tabLst/>
-          <a:defRPr b="0" baseline="0" cap="none" i="0" spc="0" strike="noStrike" sz="1800" u="none" kumimoji="0" normalizeH="0">
+          <a:defRPr kumimoji="0" sz="1800" b="0" i="0" u="none" strike="noStrike" cap="none" spc="0" normalizeH="0" baseline="0">
             <a:ln>
               <a:noFill/>
             </a:ln>
@@ -5333,7 +5351,7 @@
           <a:buFontTx/>
           <a:buNone/>
           <a:tabLst/>
-          <a:defRPr b="0" baseline="0" cap="none" i="0" spc="0" strike="noStrike" sz="1800" u="none" kumimoji="0" normalizeH="0">
+          <a:defRPr kumimoji="0" sz="1800" b="0" i="0" u="none" strike="noStrike" cap="none" spc="0" normalizeH="0" baseline="0">
             <a:ln>
               <a:noFill/>
             </a:ln>
@@ -5359,7 +5377,7 @@
           <a:buFontTx/>
           <a:buNone/>
           <a:tabLst/>
-          <a:defRPr b="0" baseline="0" cap="none" i="0" spc="0" strike="noStrike" sz="1800" u="none" kumimoji="0" normalizeH="0">
+          <a:defRPr kumimoji="0" sz="1800" b="0" i="0" u="none" strike="noStrike" cap="none" spc="0" normalizeH="0" baseline="0">
             <a:ln>
               <a:noFill/>
             </a:ln>
@@ -5385,7 +5403,7 @@
           <a:buFontTx/>
           <a:buNone/>
           <a:tabLst/>
-          <a:defRPr b="0" baseline="0" cap="none" i="0" spc="0" strike="noStrike" sz="1800" u="none" kumimoji="0" normalizeH="0">
+          <a:defRPr kumimoji="0" sz="1800" b="0" i="0" u="none" strike="noStrike" cap="none" spc="0" normalizeH="0" baseline="0">
             <a:ln>
               <a:noFill/>
             </a:ln>
@@ -5411,7 +5429,7 @@
           <a:buFontTx/>
           <a:buNone/>
           <a:tabLst/>
-          <a:defRPr b="0" baseline="0" cap="none" i="0" spc="0" strike="noStrike" sz="1800" u="none" kumimoji="0" normalizeH="0">
+          <a:defRPr kumimoji="0" sz="1800" b="0" i="0" u="none" strike="noStrike" cap="none" spc="0" normalizeH="0" baseline="0">
             <a:ln>
               <a:noFill/>
             </a:ln>
@@ -5437,7 +5455,7 @@
           <a:buFontTx/>
           <a:buNone/>
           <a:tabLst/>
-          <a:defRPr b="0" baseline="0" cap="none" i="0" spc="0" strike="noStrike" sz="1800" u="none" kumimoji="0" normalizeH="0">
+          <a:defRPr kumimoji="0" sz="1800" b="0" i="0" u="none" strike="noStrike" cap="none" spc="0" normalizeH="0" baseline="0">
             <a:ln>
               <a:noFill/>
             </a:ln>
@@ -5463,7 +5481,7 @@
           <a:buFontTx/>
           <a:buNone/>
           <a:tabLst/>
-          <a:defRPr b="0" baseline="0" cap="none" i="0" spc="0" strike="noStrike" sz="1800" u="none" kumimoji="0" normalizeH="0">
+          <a:defRPr kumimoji="0" sz="1800" b="0" i="0" u="none" strike="noStrike" cap="none" spc="0" normalizeH="0" baseline="0">
             <a:ln>
               <a:noFill/>
             </a:ln>
@@ -5489,7 +5507,7 @@
           <a:buFontTx/>
           <a:buNone/>
           <a:tabLst/>
-          <a:defRPr b="0" baseline="0" cap="none" i="0" spc="0" strike="noStrike" sz="1800" u="none" kumimoji="0" normalizeH="0">
+          <a:defRPr kumimoji="0" sz="1800" b="0" i="0" u="none" strike="noStrike" cap="none" spc="0" normalizeH="0" baseline="0">
             <a:ln>
               <a:noFill/>
             </a:ln>
@@ -5515,7 +5533,7 @@
           <a:buFontTx/>
           <a:buNone/>
           <a:tabLst/>
-          <a:defRPr b="0" baseline="0" cap="none" i="0" spc="0" strike="noStrike" sz="1800" u="none" kumimoji="0" normalizeH="0">
+          <a:defRPr kumimoji="0" sz="1800" b="0" i="0" u="none" strike="noStrike" cap="none" spc="0" normalizeH="0" baseline="0">
             <a:ln>
               <a:noFill/>
             </a:ln>
@@ -5541,7 +5559,7 @@
           <a:buFontTx/>
           <a:buNone/>
           <a:tabLst/>
-          <a:defRPr b="0" baseline="0" cap="none" i="0" spc="0" strike="noStrike" sz="1800" u="none" kumimoji="0" normalizeH="0">
+          <a:defRPr kumimoji="0" sz="1800" b="0" i="0" u="none" strike="noStrike" cap="none" spc="0" normalizeH="0" baseline="0">
             <a:ln>
               <a:noFill/>
             </a:ln>
@@ -5554,9 +5572,15 @@
         </a:lvl9pPr>
       </a:lstStyle>
       <a:style>
-        <a:lnRef idx="0"/>
-        <a:fillRef idx="0"/>
-        <a:effectRef idx="0"/>
+        <a:lnRef idx="0">
+          <a:scrgbClr r="0" g="0" b="0"/>
+        </a:lnRef>
+        <a:fillRef idx="0">
+          <a:scrgbClr r="0" g="0" b="0"/>
+        </a:fillRef>
+        <a:effectRef idx="0">
+          <a:scrgbClr r="0" g="0" b="0"/>
+        </a:effectRef>
         <a:fontRef idx="none"/>
       </a:style>
     </a:lnDef>
@@ -5570,7 +5594,7 @@
         <a:effectLst/>
         <a:sp3d/>
       </a:spPr>
-      <a:bodyPr rot="0" spcFirstLastPara="1" vertOverflow="overflow" horzOverflow="overflow" vert="horz" wrap="square" lIns="50800" tIns="50800" rIns="50800" bIns="50800" numCol="1" spcCol="38100" rtlCol="0" anchor="ctr" upright="0">
+      <a:bodyPr rot="0" spcFirstLastPara="1" vertOverflow="overflow" horzOverflow="overflow" vert="horz" wrap="square" lIns="50800" tIns="50800" rIns="50800" bIns="50800" numCol="1" spcCol="38100" rtlCol="0" anchor="ctr">
         <a:spAutoFit/>
       </a:bodyPr>
       <a:lstStyle>
@@ -5589,7 +5613,7 @@
           <a:buFontTx/>
           <a:buNone/>
           <a:tabLst/>
-          <a:defRPr b="0" baseline="0" cap="none" i="0" spc="0" strike="noStrike" sz="3200" u="none" kumimoji="0" normalizeH="0">
+          <a:defRPr kumimoji="0" sz="3200" b="0" i="0" u="none" strike="noStrike" cap="none" spc="0" normalizeH="0" baseline="0">
             <a:ln>
               <a:noFill/>
             </a:ln>
@@ -5619,7 +5643,7 @@
           <a:buFontTx/>
           <a:buNone/>
           <a:tabLst/>
-          <a:defRPr b="0" baseline="0" cap="none" i="0" spc="0" strike="noStrike" sz="1800" u="none" kumimoji="0" normalizeH="0">
+          <a:defRPr kumimoji="0" sz="1800" b="0" i="0" u="none" strike="noStrike" cap="none" spc="0" normalizeH="0" baseline="0">
             <a:ln>
               <a:noFill/>
             </a:ln>
@@ -5645,7 +5669,7 @@
           <a:buFontTx/>
           <a:buNone/>
           <a:tabLst/>
-          <a:defRPr b="0" baseline="0" cap="none" i="0" spc="0" strike="noStrike" sz="1800" u="none" kumimoji="0" normalizeH="0">
+          <a:defRPr kumimoji="0" sz="1800" b="0" i="0" u="none" strike="noStrike" cap="none" spc="0" normalizeH="0" baseline="0">
             <a:ln>
               <a:noFill/>
             </a:ln>
@@ -5671,7 +5695,7 @@
           <a:buFontTx/>
           <a:buNone/>
           <a:tabLst/>
-          <a:defRPr b="0" baseline="0" cap="none" i="0" spc="0" strike="noStrike" sz="1800" u="none" kumimoji="0" normalizeH="0">
+          <a:defRPr kumimoji="0" sz="1800" b="0" i="0" u="none" strike="noStrike" cap="none" spc="0" normalizeH="0" baseline="0">
             <a:ln>
               <a:noFill/>
             </a:ln>
@@ -5697,7 +5721,7 @@
           <a:buFontTx/>
           <a:buNone/>
           <a:tabLst/>
-          <a:defRPr b="0" baseline="0" cap="none" i="0" spc="0" strike="noStrike" sz="1800" u="none" kumimoji="0" normalizeH="0">
+          <a:defRPr kumimoji="0" sz="1800" b="0" i="0" u="none" strike="noStrike" cap="none" spc="0" normalizeH="0" baseline="0">
             <a:ln>
               <a:noFill/>
             </a:ln>
@@ -5723,7 +5747,7 @@
           <a:buFontTx/>
           <a:buNone/>
           <a:tabLst/>
-          <a:defRPr b="0" baseline="0" cap="none" i="0" spc="0" strike="noStrike" sz="1800" u="none" kumimoji="0" normalizeH="0">
+          <a:defRPr kumimoji="0" sz="1800" b="0" i="0" u="none" strike="noStrike" cap="none" spc="0" normalizeH="0" baseline="0">
             <a:ln>
               <a:noFill/>
             </a:ln>
@@ -5749,7 +5773,7 @@
           <a:buFontTx/>
           <a:buNone/>
           <a:tabLst/>
-          <a:defRPr b="0" baseline="0" cap="none" i="0" spc="0" strike="noStrike" sz="1800" u="none" kumimoji="0" normalizeH="0">
+          <a:defRPr kumimoji="0" sz="1800" b="0" i="0" u="none" strike="noStrike" cap="none" spc="0" normalizeH="0" baseline="0">
             <a:ln>
               <a:noFill/>
             </a:ln>
@@ -5775,7 +5799,7 @@
           <a:buFontTx/>
           <a:buNone/>
           <a:tabLst/>
-          <a:defRPr b="0" baseline="0" cap="none" i="0" spc="0" strike="noStrike" sz="1800" u="none" kumimoji="0" normalizeH="0">
+          <a:defRPr kumimoji="0" sz="1800" b="0" i="0" u="none" strike="noStrike" cap="none" spc="0" normalizeH="0" baseline="0">
             <a:ln>
               <a:noFill/>
             </a:ln>
@@ -5801,7 +5825,7 @@
           <a:buFontTx/>
           <a:buNone/>
           <a:tabLst/>
-          <a:defRPr b="0" baseline="0" cap="none" i="0" spc="0" strike="noStrike" sz="1800" u="none" kumimoji="0" normalizeH="0">
+          <a:defRPr kumimoji="0" sz="1800" b="0" i="0" u="none" strike="noStrike" cap="none" spc="0" normalizeH="0" baseline="0">
             <a:ln>
               <a:noFill/>
             </a:ln>
@@ -5827,7 +5851,7 @@
           <a:buFontTx/>
           <a:buNone/>
           <a:tabLst/>
-          <a:defRPr b="0" baseline="0" cap="none" i="0" spc="0" strike="noStrike" sz="1800" u="none" kumimoji="0" normalizeH="0">
+          <a:defRPr kumimoji="0" sz="1800" b="0" i="0" u="none" strike="noStrike" cap="none" spc="0" normalizeH="0" baseline="0">
             <a:ln>
               <a:noFill/>
             </a:ln>
@@ -5840,18 +5864,25 @@
         </a:lvl9pPr>
       </a:lstStyle>
       <a:style>
-        <a:lnRef idx="0"/>
-        <a:fillRef idx="0"/>
-        <a:effectRef idx="0"/>
+        <a:lnRef idx="0">
+          <a:scrgbClr r="0" g="0" b="0"/>
+        </a:lnRef>
+        <a:fillRef idx="0">
+          <a:scrgbClr r="0" g="0" b="0"/>
+        </a:fillRef>
+        <a:effectRef idx="0">
+          <a:scrgbClr r="0" g="0" b="0"/>
+        </a:effectRef>
         <a:fontRef idx="none"/>
       </a:style>
     </a:txDef>
   </a:objectDefaults>
+  <a:extraClrSchemeLst/>
 </a:theme>
 </file>
 
 <file path=ppt/theme/theme2.xml><?xml version="1.0" encoding="utf-8"?>
-<a:theme xmlns:a="http://schemas.openxmlformats.org/drawingml/2006/main" xmlns:r="http://schemas.openxmlformats.org/officeDocument/2006/relationships" name="New_Template4">
+<a:theme xmlns:a="http://schemas.openxmlformats.org/drawingml/2006/main" name="New_Template4">
   <a:themeElements>
     <a:clrScheme name="New_Template4">
       <a:dk1>
@@ -6041,8 +6072,8 @@
     <a:spDef>
       <a:spPr>
         <a:blipFill rotWithShape="1">
-          <a:blip r:embed="rId1"/>
-          <a:srcRect l="0" t="0" r="0" b="0"/>
+          <a:blip xmlns:r="http://schemas.openxmlformats.org/officeDocument/2006/relationships" r:embed="rId1"/>
+          <a:srcRect/>
           <a:tile tx="0" ty="0" sx="100000" sy="100000" flip="none" algn="tl"/>
         </a:blipFill>
         <a:ln w="12700" cap="flat">
@@ -6052,7 +6083,7 @@
         <a:effectLst/>
         <a:sp3d/>
       </a:spPr>
-      <a:bodyPr rot="0" spcFirstLastPara="1" vertOverflow="overflow" horzOverflow="overflow" vert="horz" wrap="square" lIns="50800" tIns="50800" rIns="50800" bIns="50800" numCol="1" spcCol="38100" rtlCol="0" anchor="ctr" upright="0">
+      <a:bodyPr rot="0" spcFirstLastPara="1" vertOverflow="overflow" horzOverflow="overflow" vert="horz" wrap="square" lIns="50800" tIns="50800" rIns="50800" bIns="50800" numCol="1" spcCol="38100" rtlCol="0" anchor="ctr">
         <a:spAutoFit/>
       </a:bodyPr>
       <a:lstStyle>
@@ -6071,7 +6102,7 @@
           <a:buFontTx/>
           <a:buNone/>
           <a:tabLst/>
-          <a:defRPr b="0" baseline="0" cap="none" i="0" spc="0" strike="noStrike" sz="4400" u="none" kumimoji="0" normalizeH="0">
+          <a:defRPr kumimoji="0" sz="4400" b="0" i="0" u="none" strike="noStrike" cap="none" spc="0" normalizeH="0" baseline="0">
             <a:ln>
               <a:noFill/>
             </a:ln>
@@ -6079,7 +6110,7 @@
               <a:srgbClr val="FFFFFF"/>
             </a:solidFill>
             <a:effectLst>
-              <a:outerShdw sx="100000" sy="100000" kx="0" ky="0" algn="b" rotWithShape="0" blurRad="25400" dist="33948" dir="2700000">
+              <a:outerShdw blurRad="25400" dist="33948" dir="2700000" rotWithShape="0">
                 <a:srgbClr val="3B3936"/>
               </a:outerShdw>
             </a:effectLst>
@@ -6105,7 +6136,7 @@
           <a:buFontTx/>
           <a:buNone/>
           <a:tabLst/>
-          <a:defRPr b="0" baseline="0" cap="none" i="0" spc="0" strike="noStrike" sz="1800" u="none" kumimoji="0" normalizeH="0">
+          <a:defRPr kumimoji="0" sz="1800" b="0" i="0" u="none" strike="noStrike" cap="none" spc="0" normalizeH="0" baseline="0">
             <a:ln>
               <a:noFill/>
             </a:ln>
@@ -6131,7 +6162,7 @@
           <a:buFontTx/>
           <a:buNone/>
           <a:tabLst/>
-          <a:defRPr b="0" baseline="0" cap="none" i="0" spc="0" strike="noStrike" sz="1800" u="none" kumimoji="0" normalizeH="0">
+          <a:defRPr kumimoji="0" sz="1800" b="0" i="0" u="none" strike="noStrike" cap="none" spc="0" normalizeH="0" baseline="0">
             <a:ln>
               <a:noFill/>
             </a:ln>
@@ -6157,7 +6188,7 @@
           <a:buFontTx/>
           <a:buNone/>
           <a:tabLst/>
-          <a:defRPr b="0" baseline="0" cap="none" i="0" spc="0" strike="noStrike" sz="1800" u="none" kumimoji="0" normalizeH="0">
+          <a:defRPr kumimoji="0" sz="1800" b="0" i="0" u="none" strike="noStrike" cap="none" spc="0" normalizeH="0" baseline="0">
             <a:ln>
               <a:noFill/>
             </a:ln>
@@ -6183,7 +6214,7 @@
           <a:buFontTx/>
           <a:buNone/>
           <a:tabLst/>
-          <a:defRPr b="0" baseline="0" cap="none" i="0" spc="0" strike="noStrike" sz="1800" u="none" kumimoji="0" normalizeH="0">
+          <a:defRPr kumimoji="0" sz="1800" b="0" i="0" u="none" strike="noStrike" cap="none" spc="0" normalizeH="0" baseline="0">
             <a:ln>
               <a:noFill/>
             </a:ln>
@@ -6209,7 +6240,7 @@
           <a:buFontTx/>
           <a:buNone/>
           <a:tabLst/>
-          <a:defRPr b="0" baseline="0" cap="none" i="0" spc="0" strike="noStrike" sz="1800" u="none" kumimoji="0" normalizeH="0">
+          <a:defRPr kumimoji="0" sz="1800" b="0" i="0" u="none" strike="noStrike" cap="none" spc="0" normalizeH="0" baseline="0">
             <a:ln>
               <a:noFill/>
             </a:ln>
@@ -6235,7 +6266,7 @@
           <a:buFontTx/>
           <a:buNone/>
           <a:tabLst/>
-          <a:defRPr b="0" baseline="0" cap="none" i="0" spc="0" strike="noStrike" sz="1800" u="none" kumimoji="0" normalizeH="0">
+          <a:defRPr kumimoji="0" sz="1800" b="0" i="0" u="none" strike="noStrike" cap="none" spc="0" normalizeH="0" baseline="0">
             <a:ln>
               <a:noFill/>
             </a:ln>
@@ -6261,7 +6292,7 @@
           <a:buFontTx/>
           <a:buNone/>
           <a:tabLst/>
-          <a:defRPr b="0" baseline="0" cap="none" i="0" spc="0" strike="noStrike" sz="1800" u="none" kumimoji="0" normalizeH="0">
+          <a:defRPr kumimoji="0" sz="1800" b="0" i="0" u="none" strike="noStrike" cap="none" spc="0" normalizeH="0" baseline="0">
             <a:ln>
               <a:noFill/>
             </a:ln>
@@ -6287,7 +6318,7 @@
           <a:buFontTx/>
           <a:buNone/>
           <a:tabLst/>
-          <a:defRPr b="0" baseline="0" cap="none" i="0" spc="0" strike="noStrike" sz="1800" u="none" kumimoji="0" normalizeH="0">
+          <a:defRPr kumimoji="0" sz="1800" b="0" i="0" u="none" strike="noStrike" cap="none" spc="0" normalizeH="0" baseline="0">
             <a:ln>
               <a:noFill/>
             </a:ln>
@@ -6313,7 +6344,7 @@
           <a:buFontTx/>
           <a:buNone/>
           <a:tabLst/>
-          <a:defRPr b="0" baseline="0" cap="none" i="0" spc="0" strike="noStrike" sz="1800" u="none" kumimoji="0" normalizeH="0">
+          <a:defRPr kumimoji="0" sz="1800" b="0" i="0" u="none" strike="noStrike" cap="none" spc="0" normalizeH="0" baseline="0">
             <a:ln>
               <a:noFill/>
             </a:ln>
@@ -6326,9 +6357,15 @@
         </a:lvl9pPr>
       </a:lstStyle>
       <a:style>
-        <a:lnRef idx="0"/>
-        <a:fillRef idx="0"/>
-        <a:effectRef idx="0"/>
+        <a:lnRef idx="0">
+          <a:scrgbClr r="0" g="0" b="0"/>
+        </a:lnRef>
+        <a:fillRef idx="0">
+          <a:scrgbClr r="0" g="0" b="0"/>
+        </a:fillRef>
+        <a:effectRef idx="0">
+          <a:scrgbClr r="0" g="0" b="0"/>
+        </a:effectRef>
         <a:fontRef idx="none"/>
       </a:style>
     </a:spDef>
@@ -6345,7 +6382,7 @@
         <a:effectLst/>
         <a:sp3d/>
       </a:spPr>
-      <a:bodyPr rot="0" spcFirstLastPara="1" vertOverflow="overflow" horzOverflow="overflow" vert="horz" wrap="square" lIns="91439" tIns="45719" rIns="91439" bIns="45719" numCol="1" spcCol="38100" rtlCol="0" anchor="t" upright="0">
+      <a:bodyPr rot="0" spcFirstLastPara="1" vertOverflow="overflow" horzOverflow="overflow" vert="horz" wrap="square" lIns="91439" tIns="45719" rIns="91439" bIns="45719" numCol="1" spcCol="38100" rtlCol="0" anchor="t">
         <a:noAutofit/>
       </a:bodyPr>
       <a:lstStyle>
@@ -6364,7 +6401,7 @@
           <a:buFontTx/>
           <a:buNone/>
           <a:tabLst/>
-          <a:defRPr b="0" baseline="0" cap="none" i="0" spc="0" strike="noStrike" sz="1800" u="none" kumimoji="0" normalizeH="0">
+          <a:defRPr kumimoji="0" sz="1800" b="0" i="0" u="none" strike="noStrike" cap="none" spc="0" normalizeH="0" baseline="0">
             <a:ln>
               <a:noFill/>
             </a:ln>
@@ -6390,7 +6427,7 @@
           <a:buFontTx/>
           <a:buNone/>
           <a:tabLst/>
-          <a:defRPr b="0" baseline="0" cap="none" i="0" spc="0" strike="noStrike" sz="1800" u="none" kumimoji="0" normalizeH="0">
+          <a:defRPr kumimoji="0" sz="1800" b="0" i="0" u="none" strike="noStrike" cap="none" spc="0" normalizeH="0" baseline="0">
             <a:ln>
               <a:noFill/>
             </a:ln>
@@ -6416,7 +6453,7 @@
           <a:buFontTx/>
           <a:buNone/>
           <a:tabLst/>
-          <a:defRPr b="0" baseline="0" cap="none" i="0" spc="0" strike="noStrike" sz="1800" u="none" kumimoji="0" normalizeH="0">
+          <a:defRPr kumimoji="0" sz="1800" b="0" i="0" u="none" strike="noStrike" cap="none" spc="0" normalizeH="0" baseline="0">
             <a:ln>
               <a:noFill/>
             </a:ln>
@@ -6442,7 +6479,7 @@
           <a:buFontTx/>
           <a:buNone/>
           <a:tabLst/>
-          <a:defRPr b="0" baseline="0" cap="none" i="0" spc="0" strike="noStrike" sz="1800" u="none" kumimoji="0" normalizeH="0">
+          <a:defRPr kumimoji="0" sz="1800" b="0" i="0" u="none" strike="noStrike" cap="none" spc="0" normalizeH="0" baseline="0">
             <a:ln>
               <a:noFill/>
             </a:ln>
@@ -6468,7 +6505,7 @@
           <a:buFontTx/>
           <a:buNone/>
           <a:tabLst/>
-          <a:defRPr b="0" baseline="0" cap="none" i="0" spc="0" strike="noStrike" sz="1800" u="none" kumimoji="0" normalizeH="0">
+          <a:defRPr kumimoji="0" sz="1800" b="0" i="0" u="none" strike="noStrike" cap="none" spc="0" normalizeH="0" baseline="0">
             <a:ln>
               <a:noFill/>
             </a:ln>
@@ -6494,7 +6531,7 @@
           <a:buFontTx/>
           <a:buNone/>
           <a:tabLst/>
-          <a:defRPr b="0" baseline="0" cap="none" i="0" spc="0" strike="noStrike" sz="1800" u="none" kumimoji="0" normalizeH="0">
+          <a:defRPr kumimoji="0" sz="1800" b="0" i="0" u="none" strike="noStrike" cap="none" spc="0" normalizeH="0" baseline="0">
             <a:ln>
               <a:noFill/>
             </a:ln>
@@ -6520,7 +6557,7 @@
           <a:buFontTx/>
           <a:buNone/>
           <a:tabLst/>
-          <a:defRPr b="0" baseline="0" cap="none" i="0" spc="0" strike="noStrike" sz="1800" u="none" kumimoji="0" normalizeH="0">
+          <a:defRPr kumimoji="0" sz="1800" b="0" i="0" u="none" strike="noStrike" cap="none" spc="0" normalizeH="0" baseline="0">
             <a:ln>
               <a:noFill/>
             </a:ln>
@@ -6546,7 +6583,7 @@
           <a:buFontTx/>
           <a:buNone/>
           <a:tabLst/>
-          <a:defRPr b="0" baseline="0" cap="none" i="0" spc="0" strike="noStrike" sz="1800" u="none" kumimoji="0" normalizeH="0">
+          <a:defRPr kumimoji="0" sz="1800" b="0" i="0" u="none" strike="noStrike" cap="none" spc="0" normalizeH="0" baseline="0">
             <a:ln>
               <a:noFill/>
             </a:ln>
@@ -6572,7 +6609,7 @@
           <a:buFontTx/>
           <a:buNone/>
           <a:tabLst/>
-          <a:defRPr b="0" baseline="0" cap="none" i="0" spc="0" strike="noStrike" sz="1800" u="none" kumimoji="0" normalizeH="0">
+          <a:defRPr kumimoji="0" sz="1800" b="0" i="0" u="none" strike="noStrike" cap="none" spc="0" normalizeH="0" baseline="0">
             <a:ln>
               <a:noFill/>
             </a:ln>
@@ -6598,7 +6635,7 @@
           <a:buFontTx/>
           <a:buNone/>
           <a:tabLst/>
-          <a:defRPr b="0" baseline="0" cap="none" i="0" spc="0" strike="noStrike" sz="1800" u="none" kumimoji="0" normalizeH="0">
+          <a:defRPr kumimoji="0" sz="1800" b="0" i="0" u="none" strike="noStrike" cap="none" spc="0" normalizeH="0" baseline="0">
             <a:ln>
               <a:noFill/>
             </a:ln>
@@ -6611,9 +6648,15 @@
         </a:lvl9pPr>
       </a:lstStyle>
       <a:style>
-        <a:lnRef idx="0"/>
-        <a:fillRef idx="0"/>
-        <a:effectRef idx="0"/>
+        <a:lnRef idx="0">
+          <a:scrgbClr r="0" g="0" b="0"/>
+        </a:lnRef>
+        <a:fillRef idx="0">
+          <a:scrgbClr r="0" g="0" b="0"/>
+        </a:fillRef>
+        <a:effectRef idx="0">
+          <a:scrgbClr r="0" g="0" b="0"/>
+        </a:effectRef>
         <a:fontRef idx="none"/>
       </a:style>
     </a:lnDef>
@@ -6627,7 +6670,7 @@
         <a:effectLst/>
         <a:sp3d/>
       </a:spPr>
-      <a:bodyPr rot="0" spcFirstLastPara="1" vertOverflow="overflow" horzOverflow="overflow" vert="horz" wrap="square" lIns="50800" tIns="50800" rIns="50800" bIns="50800" numCol="1" spcCol="38100" rtlCol="0" anchor="ctr" upright="0">
+      <a:bodyPr rot="0" spcFirstLastPara="1" vertOverflow="overflow" horzOverflow="overflow" vert="horz" wrap="square" lIns="50800" tIns="50800" rIns="50800" bIns="50800" numCol="1" spcCol="38100" rtlCol="0" anchor="ctr">
         <a:spAutoFit/>
       </a:bodyPr>
       <a:lstStyle>
@@ -6646,7 +6689,7 @@
           <a:buFontTx/>
           <a:buNone/>
           <a:tabLst/>
-          <a:defRPr b="0" baseline="0" cap="none" i="0" spc="0" strike="noStrike" sz="3200" u="none" kumimoji="0" normalizeH="0">
+          <a:defRPr kumimoji="0" sz="3200" b="0" i="0" u="none" strike="noStrike" cap="none" spc="0" normalizeH="0" baseline="0">
             <a:ln>
               <a:noFill/>
             </a:ln>
@@ -6676,7 +6719,7 @@
           <a:buFontTx/>
           <a:buNone/>
           <a:tabLst/>
-          <a:defRPr b="0" baseline="0" cap="none" i="0" spc="0" strike="noStrike" sz="1800" u="none" kumimoji="0" normalizeH="0">
+          <a:defRPr kumimoji="0" sz="1800" b="0" i="0" u="none" strike="noStrike" cap="none" spc="0" normalizeH="0" baseline="0">
             <a:ln>
               <a:noFill/>
             </a:ln>
@@ -6702,7 +6745,7 @@
           <a:buFontTx/>
           <a:buNone/>
           <a:tabLst/>
-          <a:defRPr b="0" baseline="0" cap="none" i="0" spc="0" strike="noStrike" sz="1800" u="none" kumimoji="0" normalizeH="0">
+          <a:defRPr kumimoji="0" sz="1800" b="0" i="0" u="none" strike="noStrike" cap="none" spc="0" normalizeH="0" baseline="0">
             <a:ln>
               <a:noFill/>
             </a:ln>
@@ -6728,7 +6771,7 @@
           <a:buFontTx/>
           <a:buNone/>
           <a:tabLst/>
-          <a:defRPr b="0" baseline="0" cap="none" i="0" spc="0" strike="noStrike" sz="1800" u="none" kumimoji="0" normalizeH="0">
+          <a:defRPr kumimoji="0" sz="1800" b="0" i="0" u="none" strike="noStrike" cap="none" spc="0" normalizeH="0" baseline="0">
             <a:ln>
               <a:noFill/>
             </a:ln>
@@ -6754,7 +6797,7 @@
           <a:buFontTx/>
           <a:buNone/>
           <a:tabLst/>
-          <a:defRPr b="0" baseline="0" cap="none" i="0" spc="0" strike="noStrike" sz="1800" u="none" kumimoji="0" normalizeH="0">
+          <a:defRPr kumimoji="0" sz="1800" b="0" i="0" u="none" strike="noStrike" cap="none" spc="0" normalizeH="0" baseline="0">
             <a:ln>
               <a:noFill/>
             </a:ln>
@@ -6780,7 +6823,7 @@
           <a:buFontTx/>
           <a:buNone/>
           <a:tabLst/>
-          <a:defRPr b="0" baseline="0" cap="none" i="0" spc="0" strike="noStrike" sz="1800" u="none" kumimoji="0" normalizeH="0">
+          <a:defRPr kumimoji="0" sz="1800" b="0" i="0" u="none" strike="noStrike" cap="none" spc="0" normalizeH="0" baseline="0">
             <a:ln>
               <a:noFill/>
             </a:ln>
@@ -6806,7 +6849,7 @@
           <a:buFontTx/>
           <a:buNone/>
           <a:tabLst/>
-          <a:defRPr b="0" baseline="0" cap="none" i="0" spc="0" strike="noStrike" sz="1800" u="none" kumimoji="0" normalizeH="0">
+          <a:defRPr kumimoji="0" sz="1800" b="0" i="0" u="none" strike="noStrike" cap="none" spc="0" normalizeH="0" baseline="0">
             <a:ln>
               <a:noFill/>
             </a:ln>
@@ -6832,7 +6875,7 @@
           <a:buFontTx/>
           <a:buNone/>
           <a:tabLst/>
-          <a:defRPr b="0" baseline="0" cap="none" i="0" spc="0" strike="noStrike" sz="1800" u="none" kumimoji="0" normalizeH="0">
+          <a:defRPr kumimoji="0" sz="1800" b="0" i="0" u="none" strike="noStrike" cap="none" spc="0" normalizeH="0" baseline="0">
             <a:ln>
               <a:noFill/>
             </a:ln>
@@ -6858,7 +6901,7 @@
           <a:buFontTx/>
           <a:buNone/>
           <a:tabLst/>
-          <a:defRPr b="0" baseline="0" cap="none" i="0" spc="0" strike="noStrike" sz="1800" u="none" kumimoji="0" normalizeH="0">
+          <a:defRPr kumimoji="0" sz="1800" b="0" i="0" u="none" strike="noStrike" cap="none" spc="0" normalizeH="0" baseline="0">
             <a:ln>
               <a:noFill/>
             </a:ln>
@@ -6884,7 +6927,7 @@
           <a:buFontTx/>
           <a:buNone/>
           <a:tabLst/>
-          <a:defRPr b="0" baseline="0" cap="none" i="0" spc="0" strike="noStrike" sz="1800" u="none" kumimoji="0" normalizeH="0">
+          <a:defRPr kumimoji="0" sz="1800" b="0" i="0" u="none" strike="noStrike" cap="none" spc="0" normalizeH="0" baseline="0">
             <a:ln>
               <a:noFill/>
             </a:ln>
@@ -6897,12 +6940,19 @@
         </a:lvl9pPr>
       </a:lstStyle>
       <a:style>
-        <a:lnRef idx="0"/>
-        <a:fillRef idx="0"/>
-        <a:effectRef idx="0"/>
+        <a:lnRef idx="0">
+          <a:scrgbClr r="0" g="0" b="0"/>
+        </a:lnRef>
+        <a:fillRef idx="0">
+          <a:scrgbClr r="0" g="0" b="0"/>
+        </a:fillRef>
+        <a:effectRef idx="0">
+          <a:scrgbClr r="0" g="0" b="0"/>
+        </a:effectRef>
         <a:fontRef idx="none"/>
       </a:style>
     </a:txDef>
   </a:objectDefaults>
+  <a:extraClrSchemeLst/>
 </a:theme>
 </file>